--- a/Audio Synthesis For Music.pptx
+++ b/Audio Synthesis For Music.pptx
@@ -330,7 +330,7 @@
           <a:p>
             <a:fld id="{59088EAF-6ECA-4616-85EF-35AA19C641F3}" type="datetimeFigureOut">
               <a:rPr lang="en-US"/>
-              <a:t>6/9/2016</a:t>
+              <a:t>7/1/2016</a:t>
             </a:fld>
             <a:endParaRPr/>
           </a:p>
@@ -495,7 +495,7 @@
           <a:p>
             <a:fld id="{3ABD2D7A-D230-4F91-BD59-0A39C2703BA8}" type="datetimeFigureOut">
               <a:rPr lang="en-US"/>
-              <a:t>6/9/2016</a:t>
+              <a:t>7/1/2016</a:t>
             </a:fld>
             <a:endParaRPr/>
           </a:p>
@@ -992,7 +992,7 @@
           </a:lstStyle>
           <a:p>
             <a:r>
-              <a:rPr lang="en-US" smtClean="0"/>
+              <a:rPr lang="en-US"/>
               <a:t>Click to edit Master subtitle style</a:t>
             </a:r>
             <a:endParaRPr dirty="0"/>
@@ -1038,7 +1038,7 @@
           </a:lstStyle>
           <a:p>
             <a:r>
-              <a:rPr lang="en-US" smtClean="0"/>
+              <a:rPr lang="en-US"/>
               <a:t>Click to edit Master title style</a:t>
             </a:r>
             <a:endParaRPr dirty="0"/>
@@ -1129,13 +1129,6 @@
       </p:transition>
     </mc:Fallback>
   </mc:AlternateContent>
-  <p:timing>
-    <p:tnLst>
-      <p:par>
-        <p:cTn id="1" dur="indefinite" restart="never" nodeType="tmRoot"/>
-      </p:par>
-    </p:tnLst>
-  </p:timing>
 </p:sldLayout>
 </file>
 
@@ -1234,35 +1227,35 @@
           <a:p>
             <a:pPr lvl="0"/>
             <a:r>
-              <a:rPr lang="en-US" smtClean="0"/>
+              <a:rPr lang="en-US"/>
               <a:t>Edit Master text styles</a:t>
             </a:r>
           </a:p>
           <a:p>
             <a:pPr lvl="1"/>
             <a:r>
-              <a:rPr lang="en-US" smtClean="0"/>
+              <a:rPr lang="en-US"/>
               <a:t>Second level</a:t>
             </a:r>
           </a:p>
           <a:p>
             <a:pPr lvl="2"/>
             <a:r>
-              <a:rPr lang="en-US" smtClean="0"/>
+              <a:rPr lang="en-US"/>
               <a:t>Third level</a:t>
             </a:r>
           </a:p>
           <a:p>
             <a:pPr lvl="3"/>
             <a:r>
-              <a:rPr lang="en-US" smtClean="0"/>
+              <a:rPr lang="en-US"/>
               <a:t>Fourth level</a:t>
             </a:r>
           </a:p>
           <a:p>
             <a:pPr lvl="4"/>
             <a:r>
-              <a:rPr lang="en-US" smtClean="0"/>
+              <a:rPr lang="en-US"/>
               <a:t>Fifth level</a:t>
             </a:r>
             <a:endParaRPr/>
@@ -1285,7 +1278,7 @@
           <a:lstStyle/>
           <a:p>
             <a:r>
-              <a:rPr lang="en-US" smtClean="0"/>
+              <a:rPr lang="en-US"/>
               <a:t>Click to edit Master title style</a:t>
             </a:r>
             <a:endParaRPr dirty="0"/>
@@ -1314,13 +1307,6 @@
       </p:transition>
     </mc:Fallback>
   </mc:AlternateContent>
-  <p:timing>
-    <p:tnLst>
-      <p:par>
-        <p:cTn id="1" dur="indefinite" restart="never" nodeType="tmRoot"/>
-      </p:par>
-    </p:tnLst>
-  </p:timing>
 </p:sldLayout>
 </file>
 
@@ -1424,35 +1410,35 @@
           <a:p>
             <a:pPr lvl="0"/>
             <a:r>
-              <a:rPr lang="en-US" smtClean="0"/>
+              <a:rPr lang="en-US"/>
               <a:t>Edit Master text styles</a:t>
             </a:r>
           </a:p>
           <a:p>
             <a:pPr lvl="1"/>
             <a:r>
-              <a:rPr lang="en-US" smtClean="0"/>
+              <a:rPr lang="en-US"/>
               <a:t>Second level</a:t>
             </a:r>
           </a:p>
           <a:p>
             <a:pPr lvl="2"/>
             <a:r>
-              <a:rPr lang="en-US" smtClean="0"/>
+              <a:rPr lang="en-US"/>
               <a:t>Third level</a:t>
             </a:r>
           </a:p>
           <a:p>
             <a:pPr lvl="3"/>
             <a:r>
-              <a:rPr lang="en-US" smtClean="0"/>
+              <a:rPr lang="en-US"/>
               <a:t>Fourth level</a:t>
             </a:r>
           </a:p>
           <a:p>
             <a:pPr lvl="4"/>
             <a:r>
-              <a:rPr lang="en-US" smtClean="0"/>
+              <a:rPr lang="en-US"/>
               <a:t>Fifth level</a:t>
             </a:r>
             <a:endParaRPr/>
@@ -1480,7 +1466,7 @@
           <a:lstStyle/>
           <a:p>
             <a:r>
-              <a:rPr lang="en-US" smtClean="0"/>
+              <a:rPr lang="en-US"/>
               <a:t>Click to edit Master title style</a:t>
             </a:r>
             <a:endParaRPr dirty="0"/>
@@ -1509,13 +1495,6 @@
       </p:transition>
     </mc:Fallback>
   </mc:AlternateContent>
-  <p:timing>
-    <p:tnLst>
-      <p:par>
-        <p:cTn id="1" dur="indefinite" restart="never" nodeType="tmRoot"/>
-      </p:par>
-    </p:tnLst>
-  </p:timing>
 </p:sldLayout>
 </file>
 
@@ -1621,35 +1600,35 @@
           <a:p>
             <a:pPr lvl="0"/>
             <a:r>
-              <a:rPr lang="en-US" smtClean="0"/>
+              <a:rPr lang="en-US"/>
               <a:t>Edit Master text styles</a:t>
             </a:r>
           </a:p>
           <a:p>
             <a:pPr lvl="1"/>
             <a:r>
-              <a:rPr lang="en-US" smtClean="0"/>
+              <a:rPr lang="en-US"/>
               <a:t>Second level</a:t>
             </a:r>
           </a:p>
           <a:p>
             <a:pPr lvl="2"/>
             <a:r>
-              <a:rPr lang="en-US" smtClean="0"/>
+              <a:rPr lang="en-US"/>
               <a:t>Third level</a:t>
             </a:r>
           </a:p>
           <a:p>
             <a:pPr lvl="3"/>
             <a:r>
-              <a:rPr lang="en-US" smtClean="0"/>
+              <a:rPr lang="en-US"/>
               <a:t>Fourth level</a:t>
             </a:r>
           </a:p>
           <a:p>
             <a:pPr lvl="4"/>
             <a:r>
-              <a:rPr lang="en-US" smtClean="0"/>
+              <a:rPr lang="en-US"/>
               <a:t>Fifth level</a:t>
             </a:r>
             <a:endParaRPr/>
@@ -1672,7 +1651,7 @@
           <a:lstStyle/>
           <a:p>
             <a:r>
-              <a:rPr lang="en-US" smtClean="0"/>
+              <a:rPr lang="en-US"/>
               <a:t>Click to edit Master title style</a:t>
             </a:r>
             <a:endParaRPr/>
@@ -1701,13 +1680,6 @@
       </p:transition>
     </mc:Fallback>
   </mc:AlternateContent>
-  <p:timing>
-    <p:tnLst>
-      <p:par>
-        <p:cTn id="1" dur="indefinite" restart="never" nodeType="tmRoot"/>
-      </p:par>
-    </p:tnLst>
-  </p:timing>
 </p:sldLayout>
 </file>
 
@@ -1905,7 +1877,7 @@
           <a:p>
             <a:pPr lvl="0"/>
             <a:r>
-              <a:rPr lang="en-US" smtClean="0"/>
+              <a:rPr lang="en-US"/>
               <a:t>Edit Master text styles</a:t>
             </a:r>
           </a:p>
@@ -1943,7 +1915,7 @@
           </a:lstStyle>
           <a:p>
             <a:r>
-              <a:rPr lang="en-US" smtClean="0"/>
+              <a:rPr lang="en-US"/>
               <a:t>Click to edit Master title style</a:t>
             </a:r>
             <a:endParaRPr dirty="0"/>
@@ -1972,13 +1944,6 @@
       </p:transition>
     </mc:Fallback>
   </mc:AlternateContent>
-  <p:timing>
-    <p:tnLst>
-      <p:par>
-        <p:cTn id="1" dur="indefinite" restart="never" nodeType="tmRoot"/>
-      </p:par>
-    </p:tnLst>
-  </p:timing>
 </p:sldLayout>
 </file>
 
@@ -2112,35 +2077,35 @@
           <a:p>
             <a:pPr lvl="0"/>
             <a:r>
-              <a:rPr lang="en-US" smtClean="0"/>
+              <a:rPr lang="en-US"/>
               <a:t>Edit Master text styles</a:t>
             </a:r>
           </a:p>
           <a:p>
             <a:pPr lvl="1"/>
             <a:r>
-              <a:rPr lang="en-US" smtClean="0"/>
+              <a:rPr lang="en-US"/>
               <a:t>Second level</a:t>
             </a:r>
           </a:p>
           <a:p>
             <a:pPr lvl="2"/>
             <a:r>
-              <a:rPr lang="en-US" smtClean="0"/>
+              <a:rPr lang="en-US"/>
               <a:t>Third level</a:t>
             </a:r>
           </a:p>
           <a:p>
             <a:pPr lvl="3"/>
             <a:r>
-              <a:rPr lang="en-US" smtClean="0"/>
+              <a:rPr lang="en-US"/>
               <a:t>Fourth level</a:t>
             </a:r>
           </a:p>
           <a:p>
             <a:pPr lvl="4"/>
             <a:r>
-              <a:rPr lang="en-US" smtClean="0"/>
+              <a:rPr lang="en-US"/>
               <a:t>Fifth level</a:t>
             </a:r>
             <a:endParaRPr/>
@@ -2199,35 +2164,35 @@
           <a:p>
             <a:pPr lvl="0"/>
             <a:r>
-              <a:rPr lang="en-US" smtClean="0"/>
+              <a:rPr lang="en-US"/>
               <a:t>Edit Master text styles</a:t>
             </a:r>
           </a:p>
           <a:p>
             <a:pPr lvl="1"/>
             <a:r>
-              <a:rPr lang="en-US" smtClean="0"/>
+              <a:rPr lang="en-US"/>
               <a:t>Second level</a:t>
             </a:r>
           </a:p>
           <a:p>
             <a:pPr lvl="2"/>
             <a:r>
-              <a:rPr lang="en-US" smtClean="0"/>
+              <a:rPr lang="en-US"/>
               <a:t>Third level</a:t>
             </a:r>
           </a:p>
           <a:p>
             <a:pPr lvl="3"/>
             <a:r>
-              <a:rPr lang="en-US" smtClean="0"/>
+              <a:rPr lang="en-US"/>
               <a:t>Fourth level</a:t>
             </a:r>
           </a:p>
           <a:p>
             <a:pPr lvl="4"/>
             <a:r>
-              <a:rPr lang="en-US" smtClean="0"/>
+              <a:rPr lang="en-US"/>
               <a:t>Fifth level</a:t>
             </a:r>
             <a:endParaRPr/>
@@ -2255,7 +2220,7 @@
           <a:lstStyle/>
           <a:p>
             <a:r>
-              <a:rPr lang="en-US" smtClean="0"/>
+              <a:rPr lang="en-US"/>
               <a:t>Click to edit Master title style</a:t>
             </a:r>
             <a:endParaRPr/>
@@ -2284,13 +2249,6 @@
       </p:transition>
     </mc:Fallback>
   </mc:AlternateContent>
-  <p:timing>
-    <p:tnLst>
-      <p:par>
-        <p:cTn id="1" dur="indefinite" restart="never" nodeType="tmRoot"/>
-      </p:par>
-    </p:tnLst>
-  </p:timing>
 </p:sldLayout>
 </file>
 
@@ -2424,35 +2382,35 @@
           <a:p>
             <a:pPr lvl="0"/>
             <a:r>
-              <a:rPr lang="en-US" smtClean="0"/>
+              <a:rPr lang="en-US"/>
               <a:t>Edit Master text styles</a:t>
             </a:r>
           </a:p>
           <a:p>
             <a:pPr lvl="1"/>
             <a:r>
-              <a:rPr lang="en-US" smtClean="0"/>
+              <a:rPr lang="en-US"/>
               <a:t>Second level</a:t>
             </a:r>
           </a:p>
           <a:p>
             <a:pPr lvl="2"/>
             <a:r>
-              <a:rPr lang="en-US" smtClean="0"/>
+              <a:rPr lang="en-US"/>
               <a:t>Third level</a:t>
             </a:r>
           </a:p>
           <a:p>
             <a:pPr lvl="3"/>
             <a:r>
-              <a:rPr lang="en-US" smtClean="0"/>
+              <a:rPr lang="en-US"/>
               <a:t>Fourth level</a:t>
             </a:r>
           </a:p>
           <a:p>
             <a:pPr lvl="4"/>
             <a:r>
-              <a:rPr lang="en-US" smtClean="0"/>
+              <a:rPr lang="en-US"/>
               <a:t>Fifth level</a:t>
             </a:r>
             <a:endParaRPr/>
@@ -2527,7 +2485,7 @@
           <a:p>
             <a:pPr lvl="0"/>
             <a:r>
-              <a:rPr lang="en-US" smtClean="0"/>
+              <a:rPr lang="en-US"/>
               <a:t>Edit Master text styles</a:t>
             </a:r>
           </a:p>
@@ -2585,35 +2543,35 @@
           <a:p>
             <a:pPr lvl="0"/>
             <a:r>
-              <a:rPr lang="en-US" smtClean="0"/>
+              <a:rPr lang="en-US"/>
               <a:t>Edit Master text styles</a:t>
             </a:r>
           </a:p>
           <a:p>
             <a:pPr lvl="1"/>
             <a:r>
-              <a:rPr lang="en-US" smtClean="0"/>
+              <a:rPr lang="en-US"/>
               <a:t>Second level</a:t>
             </a:r>
           </a:p>
           <a:p>
             <a:pPr lvl="2"/>
             <a:r>
-              <a:rPr lang="en-US" smtClean="0"/>
+              <a:rPr lang="en-US"/>
               <a:t>Third level</a:t>
             </a:r>
           </a:p>
           <a:p>
             <a:pPr lvl="3"/>
             <a:r>
-              <a:rPr lang="en-US" smtClean="0"/>
+              <a:rPr lang="en-US"/>
               <a:t>Fourth level</a:t>
             </a:r>
           </a:p>
           <a:p>
             <a:pPr lvl="4"/>
             <a:r>
-              <a:rPr lang="en-US" smtClean="0"/>
+              <a:rPr lang="en-US"/>
               <a:t>Fifth level</a:t>
             </a:r>
             <a:endParaRPr/>
@@ -2688,7 +2646,7 @@
           <a:p>
             <a:pPr lvl="0"/>
             <a:r>
-              <a:rPr lang="en-US" smtClean="0"/>
+              <a:rPr lang="en-US"/>
               <a:t>Edit Master text styles</a:t>
             </a:r>
           </a:p>
@@ -2719,7 +2677,7 @@
           </a:lstStyle>
           <a:p>
             <a:r>
-              <a:rPr lang="en-US" smtClean="0"/>
+              <a:rPr lang="en-US"/>
               <a:t>Click to edit Master title style</a:t>
             </a:r>
             <a:endParaRPr/>
@@ -2748,13 +2706,6 @@
       </p:transition>
     </mc:Fallback>
   </mc:AlternateContent>
-  <p:timing>
-    <p:tnLst>
-      <p:par>
-        <p:cTn id="1" dur="indefinite" restart="never" nodeType="tmRoot"/>
-      </p:par>
-    </p:tnLst>
-  </p:timing>
 </p:sldLayout>
 </file>
 
@@ -2852,7 +2803,7 @@
           <a:lstStyle/>
           <a:p>
             <a:r>
-              <a:rPr lang="en-US" smtClean="0"/>
+              <a:rPr lang="en-US"/>
               <a:t>Click to edit Master title style</a:t>
             </a:r>
             <a:endParaRPr dirty="0"/>
@@ -2881,13 +2832,6 @@
       </p:transition>
     </mc:Fallback>
   </mc:AlternateContent>
-  <p:timing>
-    <p:tnLst>
-      <p:par>
-        <p:cTn id="1" dur="indefinite" restart="never" nodeType="tmRoot"/>
-      </p:par>
-    </p:tnLst>
-  </p:timing>
 </p:sldLayout>
 </file>
 
@@ -2991,13 +2935,6 @@
       </p:transition>
     </mc:Fallback>
   </mc:AlternateContent>
-  <p:timing>
-    <p:tnLst>
-      <p:par>
-        <p:cTn id="1" dur="indefinite" restart="never" nodeType="tmRoot"/>
-      </p:par>
-    </p:tnLst>
-  </p:timing>
 </p:sldLayout>
 </file>
 
@@ -3131,35 +3068,35 @@
           <a:p>
             <a:pPr lvl="0"/>
             <a:r>
-              <a:rPr lang="en-US" smtClean="0"/>
+              <a:rPr lang="en-US"/>
               <a:t>Edit Master text styles</a:t>
             </a:r>
           </a:p>
           <a:p>
             <a:pPr lvl="1"/>
             <a:r>
-              <a:rPr lang="en-US" smtClean="0"/>
+              <a:rPr lang="en-US"/>
               <a:t>Second level</a:t>
             </a:r>
           </a:p>
           <a:p>
             <a:pPr lvl="2"/>
             <a:r>
-              <a:rPr lang="en-US" smtClean="0"/>
+              <a:rPr lang="en-US"/>
               <a:t>Third level</a:t>
             </a:r>
           </a:p>
           <a:p>
             <a:pPr lvl="3"/>
             <a:r>
-              <a:rPr lang="en-US" smtClean="0"/>
+              <a:rPr lang="en-US"/>
               <a:t>Fourth level</a:t>
             </a:r>
           </a:p>
           <a:p>
             <a:pPr lvl="4"/>
             <a:r>
-              <a:rPr lang="en-US" smtClean="0"/>
+              <a:rPr lang="en-US"/>
               <a:t>Fifth level</a:t>
             </a:r>
             <a:endParaRPr/>
@@ -3233,7 +3170,7 @@
           <a:p>
             <a:pPr lvl="0"/>
             <a:r>
-              <a:rPr lang="en-US" smtClean="0"/>
+              <a:rPr lang="en-US"/>
               <a:t>Edit Master text styles</a:t>
             </a:r>
           </a:p>
@@ -3273,7 +3210,7 @@
           </a:lstStyle>
           <a:p>
             <a:r>
-              <a:rPr lang="en-US" smtClean="0"/>
+              <a:rPr lang="en-US"/>
               <a:t>Click to edit Master title style</a:t>
             </a:r>
             <a:endParaRPr/>
@@ -3302,13 +3239,6 @@
       </p:transition>
     </mc:Fallback>
   </mc:AlternateContent>
-  <p:timing>
-    <p:tnLst>
-      <p:par>
-        <p:cTn id="1" dur="indefinite" restart="never" nodeType="tmRoot"/>
-      </p:par>
-    </p:tnLst>
-  </p:timing>
 </p:sldLayout>
 </file>
 
@@ -3460,7 +3390,7 @@
           </a:lstStyle>
           <a:p>
             <a:r>
-              <a:rPr lang="en-US" smtClean="0"/>
+              <a:rPr lang="en-US"/>
               <a:t>Click icon to add picture</a:t>
             </a:r>
             <a:endParaRPr/>
@@ -3534,7 +3464,7 @@
           <a:p>
             <a:pPr lvl="0"/>
             <a:r>
-              <a:rPr lang="en-US" smtClean="0"/>
+              <a:rPr lang="en-US"/>
               <a:t>Edit Master text styles</a:t>
             </a:r>
           </a:p>
@@ -3574,7 +3504,7 @@
           </a:lstStyle>
           <a:p>
             <a:r>
-              <a:rPr lang="en-US" smtClean="0"/>
+              <a:rPr lang="en-US"/>
               <a:t>Click to edit Master title style</a:t>
             </a:r>
             <a:endParaRPr/>
@@ -3603,13 +3533,6 @@
       </p:transition>
     </mc:Fallback>
   </mc:AlternateContent>
-  <p:timing>
-    <p:tnLst>
-      <p:par>
-        <p:cTn id="1" dur="indefinite" restart="never" nodeType="tmRoot"/>
-      </p:par>
-    </p:tnLst>
-  </p:timing>
 </p:sldLayout>
 </file>
 
@@ -3787,38 +3710,38 @@
           <a:p>
             <a:pPr lvl="0"/>
             <a:r>
-              <a:rPr lang="en-US" smtClean="0"/>
+              <a:rPr lang="en-US"/>
               <a:t>Edit Master text styles</a:t>
             </a:r>
           </a:p>
           <a:p>
             <a:pPr lvl="1"/>
             <a:r>
-              <a:rPr lang="en-US" smtClean="0"/>
+              <a:rPr lang="en-US"/>
               <a:t>Second level</a:t>
             </a:r>
           </a:p>
           <a:p>
             <a:pPr lvl="2"/>
             <a:r>
-              <a:rPr lang="en-US" smtClean="0"/>
+              <a:rPr lang="en-US"/>
               <a:t>Third level</a:t>
             </a:r>
           </a:p>
           <a:p>
             <a:pPr lvl="3"/>
             <a:r>
-              <a:rPr lang="en-US" smtClean="0"/>
+              <a:rPr lang="en-US"/>
               <a:t>Fourth level</a:t>
             </a:r>
           </a:p>
           <a:p>
             <a:pPr lvl="4"/>
             <a:r>
-              <a:rPr lang="en-US" smtClean="0"/>
+              <a:rPr lang="en-US"/>
               <a:t>Fifth level</a:t>
             </a:r>
-            <a:endParaRPr lang="en-US" dirty="0" smtClean="0"/>
+            <a:endParaRPr lang="en-US" dirty="0"/>
           </a:p>
         </p:txBody>
       </p:sp>
@@ -3851,7 +3774,7 @@
           <a:lstStyle/>
           <a:p>
             <a:r>
-              <a:rPr lang="en-US" smtClean="0"/>
+              <a:rPr lang="en-US"/>
               <a:t>Click to edit Master title style</a:t>
             </a:r>
             <a:endParaRPr dirty="0"/>
@@ -3891,13 +3814,6 @@
       </p:transition>
     </mc:Fallback>
   </mc:AlternateContent>
-  <p:timing>
-    <p:tnLst>
-      <p:par>
-        <p:cTn id="1" dur="indefinite" restart="never" nodeType="tmRoot"/>
-      </p:par>
-    </p:tnLst>
-  </p:timing>
   <p:hf sldNum="0" hdr="0" ftr="0" dt="0"/>
   <p:txStyles>
     <p:titleStyle>
@@ -4245,18 +4161,18 @@
           <a:lstStyle/>
           <a:p>
             <a:r>
-              <a:rPr lang="en-US" dirty="0" smtClean="0"/>
+              <a:rPr lang="en-US" dirty="0"/>
               <a:t>Alan Wolfe</a:t>
             </a:r>
           </a:p>
           <a:p>
             <a:r>
-              <a:rPr lang="en-US" dirty="0" smtClean="0">
+              <a:rPr lang="en-US" dirty="0">
                 <a:hlinkClick r:id="rId3"/>
               </a:rPr>
               <a:t>http://Blog.demofox.org</a:t>
             </a:r>
-            <a:endParaRPr lang="en-US" dirty="0" smtClean="0"/>
+            <a:endParaRPr lang="en-US" dirty="0"/>
           </a:p>
           <a:p>
             <a:endParaRPr lang="en-US" dirty="0"/>
@@ -4285,25 +4201,20 @@
           <a:p>
             <a:pPr algn="ctr"/>
             <a:r>
-              <a:rPr lang="en-US" dirty="0" smtClean="0">
+              <a:rPr lang="en-US" dirty="0">
                 <a:solidFill>
                   <a:srgbClr val="FFC000"/>
                 </a:solidFill>
               </a:rPr>
               <a:t>Intro To:</a:t>
             </a:r>
-            <a:r>
-              <a:rPr lang="en-US" dirty="0" smtClean="0"/>
-              <a:t/>
-            </a:r>
             <a:br>
-              <a:rPr lang="en-US" dirty="0" smtClean="0"/>
+              <a:rPr lang="en-US" dirty="0"/>
             </a:br>
             <a:r>
-              <a:rPr lang="en-US" dirty="0" smtClean="0"/>
+              <a:rPr lang="en-US" dirty="0"/>
               <a:t>Audio Synthesis For Music</a:t>
             </a:r>
-            <a:endParaRPr lang="en-US" dirty="0"/>
           </a:p>
         </p:txBody>
       </p:sp>
@@ -4325,13 +4236,6 @@
       <p:transition/>
     </mc:Fallback>
   </mc:AlternateContent>
-  <p:timing>
-    <p:tnLst>
-      <p:par>
-        <p:cTn id="1" dur="indefinite" restart="never" nodeType="tmRoot"/>
-      </p:par>
-    </p:tnLst>
-  </p:timing>
 </p:sld>
 </file>
 
@@ -4368,30 +4272,29 @@
           <a:lstStyle/>
           <a:p>
             <a:r>
-              <a:rPr lang="en-US" dirty="0" smtClean="0"/>
+              <a:rPr lang="en-US" dirty="0"/>
               <a:t>Volume changes over time</a:t>
             </a:r>
           </a:p>
           <a:p>
             <a:r>
-              <a:rPr lang="en-US" dirty="0" smtClean="0"/>
+              <a:rPr lang="en-US" dirty="0"/>
               <a:t>Can solve popping at beginning and end of sounds</a:t>
             </a:r>
           </a:p>
           <a:p>
             <a:r>
-              <a:rPr lang="en-US" dirty="0" smtClean="0"/>
+              <a:rPr lang="en-US" dirty="0"/>
               <a:t>Can also make things (</a:t>
             </a:r>
             <a:r>
-              <a:rPr lang="en-US" dirty="0" err="1" smtClean="0"/>
+              <a:rPr lang="en-US" dirty="0" err="1"/>
               <a:t>eg</a:t>
             </a:r>
             <a:r>
-              <a:rPr lang="en-US" dirty="0" smtClean="0"/>
+              <a:rPr lang="en-US" dirty="0"/>
               <a:t>. sine waves) very different!</a:t>
             </a:r>
-            <a:endParaRPr lang="en-US" dirty="0"/>
           </a:p>
         </p:txBody>
       </p:sp>
@@ -4411,10 +4314,9 @@
           <a:lstStyle/>
           <a:p>
             <a:r>
-              <a:rPr lang="en-US" dirty="0" smtClean="0"/>
+              <a:rPr lang="en-US" dirty="0"/>
               <a:t>Envelopes</a:t>
             </a:r>
-            <a:endParaRPr lang="en-US" dirty="0"/>
           </a:p>
         </p:txBody>
       </p:sp>
@@ -4444,7 +4346,7 @@
           <a:lstStyle/>
           <a:p>
             <a:r>
-              <a:rPr lang="en-US" b="1" dirty="0" smtClean="0">
+              <a:rPr lang="en-US" b="1" dirty="0">
                 <a:solidFill>
                   <a:srgbClr val="FFFF00"/>
                 </a:solidFill>
@@ -4600,18 +4502,13 @@
           <a:lstStyle/>
           <a:p>
             <a:r>
-              <a:rPr lang="en-US" b="1" u="sng" dirty="0" smtClean="0">
+              <a:rPr lang="en-US" b="1" u="sng" dirty="0">
                 <a:solidFill>
                   <a:schemeClr val="accent6"/>
                 </a:solidFill>
               </a:rPr>
               <a:t>Minimal</a:t>
             </a:r>
-            <a:endParaRPr lang="en-US" b="1" u="sng" dirty="0" smtClean="0">
-              <a:solidFill>
-                <a:schemeClr val="accent6"/>
-              </a:solidFill>
-            </a:endParaRPr>
           </a:p>
         </p:txBody>
       </p:sp>
@@ -4642,18 +4539,13 @@
           <a:p>
             <a:pPr algn="just"/>
             <a:r>
-              <a:rPr lang="en-US" b="1" u="sng" dirty="0" smtClean="0">
+              <a:rPr lang="en-US" b="1" u="sng" dirty="0">
                 <a:solidFill>
                   <a:schemeClr val="accent6"/>
                 </a:solidFill>
               </a:rPr>
               <a:t>Bell</a:t>
             </a:r>
-            <a:endParaRPr lang="en-US" b="1" u="sng" dirty="0" smtClean="0">
-              <a:solidFill>
-                <a:schemeClr val="accent6"/>
-              </a:solidFill>
-            </a:endParaRPr>
           </a:p>
         </p:txBody>
       </p:sp>
@@ -4683,18 +4575,13 @@
           <a:lstStyle/>
           <a:p>
             <a:r>
-              <a:rPr lang="en-US" b="1" u="sng" dirty="0" smtClean="0">
+              <a:rPr lang="en-US" b="1" u="sng" dirty="0">
                 <a:solidFill>
                   <a:schemeClr val="accent6"/>
                 </a:solidFill>
               </a:rPr>
               <a:t>Reverse Bell</a:t>
             </a:r>
-            <a:endParaRPr lang="en-US" b="1" u="sng" dirty="0" smtClean="0">
-              <a:solidFill>
-                <a:schemeClr val="accent6"/>
-              </a:solidFill>
-            </a:endParaRPr>
           </a:p>
         </p:txBody>
       </p:sp>
@@ -4724,18 +4611,13 @@
           <a:lstStyle/>
           <a:p>
             <a:r>
-              <a:rPr lang="en-US" b="1" u="sng" dirty="0" smtClean="0">
+              <a:rPr lang="en-US" b="1" u="sng" dirty="0">
                 <a:solidFill>
                   <a:schemeClr val="accent6"/>
                 </a:solidFill>
               </a:rPr>
               <a:t>Flute</a:t>
             </a:r>
-            <a:endParaRPr lang="en-US" b="1" u="sng" dirty="0" smtClean="0">
-              <a:solidFill>
-                <a:schemeClr val="accent6"/>
-              </a:solidFill>
-            </a:endParaRPr>
           </a:p>
         </p:txBody>
       </p:sp>
@@ -4761,13 +4643,6 @@
       </p:transition>
     </mc:Fallback>
   </mc:AlternateContent>
-  <p:timing>
-    <p:tnLst>
-      <p:par>
-        <p:cTn id="1" dur="indefinite" restart="never" nodeType="tmRoot"/>
-      </p:par>
-    </p:tnLst>
-  </p:timing>
 </p:sld>
 </file>
 
@@ -4812,67 +4687,67 @@
               <a:buNone/>
             </a:pPr>
             <a:r>
-              <a:rPr lang="en-US" b="1" u="sng" dirty="0" smtClean="0">
+              <a:rPr lang="en-US" b="1" u="sng" dirty="0">
                 <a:solidFill>
                   <a:srgbClr val="FFC000"/>
                 </a:solidFill>
               </a:rPr>
               <a:t>Sine:</a:t>
             </a:r>
-            <a:endParaRPr lang="en-US" dirty="0" smtClean="0"/>
+            <a:endParaRPr lang="en-US" dirty="0"/>
           </a:p>
           <a:p>
             <a:pPr marL="0" indent="0">
               <a:buNone/>
             </a:pPr>
-            <a:endParaRPr lang="en-US" dirty="0" smtClean="0"/>
+            <a:endParaRPr lang="en-US" dirty="0"/>
           </a:p>
           <a:p>
             <a:pPr marL="0" indent="0">
               <a:buNone/>
             </a:pPr>
             <a:r>
-              <a:rPr lang="en-US" b="1" u="sng" dirty="0" smtClean="0">
+              <a:rPr lang="en-US" b="1" u="sng" dirty="0">
                 <a:solidFill>
                   <a:srgbClr val="FFC000"/>
                 </a:solidFill>
               </a:rPr>
               <a:t>Square:</a:t>
             </a:r>
-            <a:endParaRPr lang="en-US" dirty="0" smtClean="0"/>
+            <a:endParaRPr lang="en-US" dirty="0"/>
           </a:p>
           <a:p>
             <a:pPr marL="0" indent="0">
               <a:buNone/>
             </a:pPr>
-            <a:endParaRPr lang="en-US" dirty="0" smtClean="0"/>
+            <a:endParaRPr lang="en-US" dirty="0"/>
           </a:p>
           <a:p>
             <a:pPr marL="0" indent="0">
               <a:buNone/>
             </a:pPr>
             <a:r>
-              <a:rPr lang="en-US" b="1" u="sng" dirty="0" smtClean="0">
+              <a:rPr lang="en-US" b="1" u="sng" dirty="0">
                 <a:solidFill>
                   <a:srgbClr val="FFC000"/>
                 </a:solidFill>
               </a:rPr>
               <a:t>Saw:</a:t>
             </a:r>
-            <a:endParaRPr lang="en-US" dirty="0" smtClean="0"/>
+            <a:endParaRPr lang="en-US" dirty="0"/>
           </a:p>
           <a:p>
             <a:pPr marL="0" indent="0">
               <a:buNone/>
             </a:pPr>
-            <a:endParaRPr lang="en-US" dirty="0" smtClean="0"/>
+            <a:endParaRPr lang="en-US" dirty="0"/>
           </a:p>
           <a:p>
             <a:pPr marL="0" indent="0">
               <a:buNone/>
             </a:pPr>
             <a:r>
-              <a:rPr lang="en-US" b="1" u="sng" dirty="0" smtClean="0">
+              <a:rPr lang="en-US" b="1" u="sng" dirty="0">
                 <a:solidFill>
                   <a:srgbClr val="FFC000"/>
                 </a:solidFill>
@@ -4899,10 +4774,9 @@
           <a:lstStyle/>
           <a:p>
             <a:r>
-              <a:rPr lang="en-US" dirty="0" smtClean="0"/>
+              <a:rPr lang="en-US" dirty="0"/>
               <a:t>Common Wave Forms</a:t>
             </a:r>
-            <a:endParaRPr lang="en-US" dirty="0"/>
           </a:p>
         </p:txBody>
       </p:sp>
@@ -4932,7 +4806,7 @@
           <a:lstStyle/>
           <a:p>
             <a:r>
-              <a:rPr lang="en-US" b="1" dirty="0" smtClean="0">
+              <a:rPr lang="en-US" b="1" dirty="0">
                 <a:solidFill>
                   <a:srgbClr val="FFFF00"/>
                 </a:solidFill>
@@ -4940,14 +4814,14 @@
               <a:t>Demo: </a:t>
             </a:r>
             <a:r>
-              <a:rPr lang="en-US" b="1" dirty="0" err="1" smtClean="0">
+              <a:rPr lang="en-US" b="1" dirty="0" err="1">
                 <a:solidFill>
                   <a:srgbClr val="FFFF00"/>
                 </a:solidFill>
               </a:rPr>
               <a:t>WaveForms</a:t>
             </a:r>
-            <a:endParaRPr lang="en-US" b="1" dirty="0" smtClean="0">
+            <a:endParaRPr lang="en-US" b="1" dirty="0">
               <a:solidFill>
                 <a:srgbClr val="FFFF00"/>
               </a:solidFill>
@@ -5097,13 +4971,6 @@
       </p:transition>
     </mc:Fallback>
   </mc:AlternateContent>
-  <p:timing>
-    <p:tnLst>
-      <p:par>
-        <p:cTn id="1" dur="indefinite" restart="never" nodeType="tmRoot"/>
-      </p:par>
-    </p:tnLst>
-  </p:timing>
 </p:sld>
 </file>
 
@@ -5142,13 +5009,13 @@
           <a:lstStyle/>
           <a:p>
             <a:r>
-              <a:rPr lang="en-US" dirty="0" smtClean="0"/>
+              <a:rPr lang="en-US" dirty="0"/>
               <a:t>Another form of distortion (harshness / hurts ears)</a:t>
             </a:r>
           </a:p>
           <a:p>
             <a:r>
-              <a:rPr lang="en-US" b="1" u="sng" dirty="0" smtClean="0">
+              <a:rPr lang="en-US" b="1" u="sng" dirty="0">
                 <a:solidFill>
                   <a:srgbClr val="FFC000"/>
                 </a:solidFill>
@@ -5156,39 +5023,39 @@
               <a:t>Terminology:</a:t>
             </a:r>
             <a:r>
-              <a:rPr lang="en-US" dirty="0" smtClean="0"/>
+              <a:rPr lang="en-US" dirty="0"/>
               <a:t> Nyquist Frequency</a:t>
             </a:r>
           </a:p>
           <a:p>
             <a:pPr lvl="1"/>
             <a:r>
-              <a:rPr lang="en-US" dirty="0" smtClean="0"/>
+              <a:rPr lang="en-US" dirty="0"/>
               <a:t>If you have N samples per second, limited to freq. N/2.</a:t>
             </a:r>
           </a:p>
           <a:p>
             <a:pPr lvl="1"/>
             <a:r>
-              <a:rPr lang="en-US" dirty="0" smtClean="0"/>
+              <a:rPr lang="en-US" dirty="0"/>
               <a:t>Going above that causes aliasing.</a:t>
             </a:r>
           </a:p>
           <a:p>
             <a:r>
-              <a:rPr lang="en-US" dirty="0" smtClean="0"/>
+              <a:rPr lang="en-US" dirty="0"/>
               <a:t>All sound made up of adding sound waves together</a:t>
             </a:r>
           </a:p>
           <a:p>
             <a:r>
-              <a:rPr lang="en-US" dirty="0" smtClean="0"/>
+              <a:rPr lang="en-US" dirty="0"/>
               <a:t>Perfect corners = infinite sine waves at infinite frequencies.</a:t>
             </a:r>
           </a:p>
           <a:p>
             <a:r>
-              <a:rPr lang="en-US" b="1" u="sng" dirty="0" smtClean="0">
+              <a:rPr lang="en-US" b="1" u="sng" dirty="0">
                 <a:solidFill>
                   <a:srgbClr val="FFC000"/>
                 </a:solidFill>
@@ -5196,23 +5063,22 @@
               <a:t>Terminology:</a:t>
             </a:r>
             <a:r>
-              <a:rPr lang="en-US" dirty="0" smtClean="0"/>
+              <a:rPr lang="en-US" dirty="0"/>
               <a:t> Band Limited Signal</a:t>
             </a:r>
           </a:p>
           <a:p>
             <a:pPr lvl="1"/>
             <a:r>
-              <a:rPr lang="en-US" dirty="0" smtClean="0"/>
+              <a:rPr lang="en-US" dirty="0"/>
               <a:t>Limiting signal to a window of frequencies.</a:t>
             </a:r>
           </a:p>
           <a:p>
             <a:r>
-              <a:rPr lang="en-US" dirty="0" smtClean="0"/>
+              <a:rPr lang="en-US" dirty="0"/>
               <a:t>Yes, aliasing is same term and meaning from graphics!</a:t>
             </a:r>
-            <a:endParaRPr lang="en-US" dirty="0"/>
           </a:p>
         </p:txBody>
       </p:sp>
@@ -5232,10 +5098,9 @@
           <a:lstStyle/>
           <a:p>
             <a:r>
-              <a:rPr lang="en-US" dirty="0" smtClean="0"/>
+              <a:rPr lang="en-US" dirty="0"/>
               <a:t>Aliasing</a:t>
             </a:r>
-            <a:endParaRPr lang="en-US" dirty="0"/>
           </a:p>
         </p:txBody>
       </p:sp>
@@ -5261,13 +5126,6 @@
       </p:transition>
     </mc:Fallback>
   </mc:AlternateContent>
-  <p:timing>
-    <p:tnLst>
-      <p:par>
-        <p:cTn id="1" dur="indefinite" restart="never" nodeType="tmRoot"/>
-      </p:par>
-    </p:tnLst>
-  </p:timing>
 </p:sld>
 </file>
 
@@ -5312,7 +5170,7 @@
               <a:buNone/>
             </a:pPr>
             <a:r>
-              <a:rPr lang="en-US" b="1" u="sng" dirty="0" smtClean="0">
+              <a:rPr lang="en-US" b="1" u="sng" dirty="0">
                 <a:solidFill>
                   <a:srgbClr val="FFC000"/>
                 </a:solidFill>
@@ -5320,85 +5178,8 @@
               <a:t>Sine:</a:t>
             </a:r>
             <a:r>
-              <a:rPr lang="en-US" dirty="0" smtClean="0"/>
+              <a:rPr lang="en-US" dirty="0"/>
               <a:t> 1 frequency</a:t>
-            </a:r>
-          </a:p>
-          <a:p>
-            <a:pPr marL="0" indent="0">
-              <a:buNone/>
-            </a:pPr>
-            <a:endParaRPr lang="en-US" dirty="0" smtClean="0"/>
-          </a:p>
-          <a:p>
-            <a:pPr marL="0" indent="0">
-              <a:buNone/>
-            </a:pPr>
-            <a:r>
-              <a:rPr lang="en-US" b="1" u="sng" dirty="0" smtClean="0">
-                <a:solidFill>
-                  <a:srgbClr val="FFC000"/>
-                </a:solidFill>
-              </a:rPr>
-              <a:t>Square:</a:t>
-            </a:r>
-            <a:r>
-              <a:rPr lang="en-US" dirty="0" smtClean="0"/>
-              <a:t> All </a:t>
-            </a:r>
-            <a:r>
-              <a:rPr lang="en-US" dirty="0"/>
-              <a:t>h</a:t>
-            </a:r>
-            <a:r>
-              <a:rPr lang="en-US" dirty="0" smtClean="0"/>
-              <a:t>armonics</a:t>
-            </a:r>
-          </a:p>
-          <a:p>
-            <a:pPr marL="0" indent="0">
-              <a:buNone/>
-            </a:pPr>
-            <a:endParaRPr lang="en-US" dirty="0" smtClean="0"/>
-          </a:p>
-          <a:p>
-            <a:pPr marL="0" indent="0">
-              <a:buNone/>
-            </a:pPr>
-            <a:r>
-              <a:rPr lang="en-US" b="1" u="sng" dirty="0" smtClean="0">
-                <a:solidFill>
-                  <a:srgbClr val="FFC000"/>
-                </a:solidFill>
-              </a:rPr>
-              <a:t>Saw:</a:t>
-            </a:r>
-            <a:r>
-              <a:rPr lang="en-US" dirty="0" smtClean="0"/>
-              <a:t> Odd harmonics</a:t>
-            </a:r>
-          </a:p>
-          <a:p>
-            <a:pPr marL="0" indent="0">
-              <a:buNone/>
-            </a:pPr>
-            <a:endParaRPr lang="en-US" dirty="0" smtClean="0"/>
-          </a:p>
-          <a:p>
-            <a:pPr marL="0" indent="0">
-              <a:buNone/>
-            </a:pPr>
-            <a:r>
-              <a:rPr lang="en-US" b="1" u="sng" dirty="0" smtClean="0">
-                <a:solidFill>
-                  <a:srgbClr val="FFC000"/>
-                </a:solidFill>
-              </a:rPr>
-              <a:t>Triangle:</a:t>
-            </a:r>
-            <a:r>
-              <a:rPr lang="en-US" dirty="0" smtClean="0"/>
-              <a:t> Odd harmonics</a:t>
             </a:r>
           </a:p>
           <a:p>
@@ -5407,6 +5188,75 @@
             </a:pPr>
             <a:endParaRPr lang="en-US" dirty="0"/>
           </a:p>
+          <a:p>
+            <a:pPr marL="0" indent="0">
+              <a:buNone/>
+            </a:pPr>
+            <a:r>
+              <a:rPr lang="en-US" b="1" u="sng" dirty="0">
+                <a:solidFill>
+                  <a:srgbClr val="FFC000"/>
+                </a:solidFill>
+              </a:rPr>
+              <a:t>Square:</a:t>
+            </a:r>
+            <a:r>
+              <a:rPr lang="en-US" dirty="0"/>
+              <a:t> All harmonics</a:t>
+            </a:r>
+          </a:p>
+          <a:p>
+            <a:pPr marL="0" indent="0">
+              <a:buNone/>
+            </a:pPr>
+            <a:endParaRPr lang="en-US" dirty="0"/>
+          </a:p>
+          <a:p>
+            <a:pPr marL="0" indent="0">
+              <a:buNone/>
+            </a:pPr>
+            <a:r>
+              <a:rPr lang="en-US" b="1" u="sng" dirty="0">
+                <a:solidFill>
+                  <a:srgbClr val="FFC000"/>
+                </a:solidFill>
+              </a:rPr>
+              <a:t>Saw:</a:t>
+            </a:r>
+            <a:r>
+              <a:rPr lang="en-US" dirty="0"/>
+              <a:t> Odd harmonics</a:t>
+            </a:r>
+          </a:p>
+          <a:p>
+            <a:pPr marL="0" indent="0">
+              <a:buNone/>
+            </a:pPr>
+            <a:endParaRPr lang="en-US" dirty="0"/>
+          </a:p>
+          <a:p>
+            <a:pPr marL="0" indent="0">
+              <a:buNone/>
+            </a:pPr>
+            <a:r>
+              <a:rPr lang="en-US" b="1" u="sng" dirty="0">
+                <a:solidFill>
+                  <a:srgbClr val="FFC000"/>
+                </a:solidFill>
+              </a:rPr>
+              <a:t>Triangle:</a:t>
+            </a:r>
+            <a:r>
+              <a:rPr lang="en-US" dirty="0"/>
+              <a:t> Odd harmonics</a:t>
+            </a:r>
+          </a:p>
+          <a:p>
+            <a:pPr marL="0" indent="0">
+              <a:buNone/>
+            </a:pPr>
+            <a:endParaRPr lang="en-US" dirty="0"/>
+          </a:p>
         </p:txBody>
       </p:sp>
       <p:sp>
@@ -5425,10 +5275,9 @@
           <a:lstStyle/>
           <a:p>
             <a:r>
-              <a:rPr lang="en-US" dirty="0" smtClean="0"/>
+              <a:rPr lang="en-US" dirty="0"/>
               <a:t>Band Limited Wave Forms</a:t>
             </a:r>
-            <a:endParaRPr lang="en-US" dirty="0"/>
           </a:p>
         </p:txBody>
       </p:sp>
@@ -5458,7 +5307,7 @@
           <a:lstStyle/>
           <a:p>
             <a:r>
-              <a:rPr lang="en-US" b="1" dirty="0" smtClean="0">
+              <a:rPr lang="en-US" b="1" dirty="0">
                 <a:solidFill>
                   <a:srgbClr val="FFFF00"/>
                 </a:solidFill>
@@ -5466,14 +5315,14 @@
               <a:t>Demo: </a:t>
             </a:r>
             <a:r>
-              <a:rPr lang="en-US" b="1" dirty="0" err="1" smtClean="0">
+              <a:rPr lang="en-US" b="1" dirty="0" err="1">
                 <a:solidFill>
                   <a:srgbClr val="FFFF00"/>
                 </a:solidFill>
               </a:rPr>
               <a:t>BLWaveForms</a:t>
             </a:r>
-            <a:endParaRPr lang="en-US" b="1" dirty="0" smtClean="0">
+            <a:endParaRPr lang="en-US" b="1" dirty="0">
               <a:solidFill>
                 <a:srgbClr val="FFFF00"/>
               </a:solidFill>
@@ -5516,23 +5365,17 @@
             </a:r>
             <a:r>
               <a:rPr lang="en-US" sz="2000" dirty="0"/>
-              <a:t> </a:t>
-            </a:r>
-            <a:r>
-              <a:rPr lang="en-US" sz="2000" dirty="0" smtClean="0"/>
-              <a:t>Harmonic</a:t>
-            </a:r>
-            <a:endParaRPr lang="en-US" sz="2000" dirty="0"/>
-          </a:p>
-          <a:p>
-            <a:r>
-              <a:rPr lang="en-US" dirty="0" smtClean="0"/>
+              <a:t> Harmonic</a:t>
+            </a:r>
+          </a:p>
+          <a:p>
+            <a:r>
+              <a:rPr lang="en-US" dirty="0"/>
               <a:t>Integer multiples of a frequency</a:t>
             </a:r>
+          </a:p>
+          <a:p>
             <a:endParaRPr lang="en-US" dirty="0"/>
-          </a:p>
-          <a:p>
-            <a:endParaRPr lang="en-US" dirty="0" smtClean="0"/>
           </a:p>
         </p:txBody>
       </p:sp>
@@ -5678,13 +5521,6 @@
       </p:transition>
     </mc:Fallback>
   </mc:AlternateContent>
-  <p:timing>
-    <p:tnLst>
-      <p:par>
-        <p:cTn id="1" dur="indefinite" restart="never" nodeType="tmRoot"/>
-      </p:par>
-    </p:tnLst>
-  </p:timing>
 </p:sld>
 </file>
 
@@ -5723,19 +5559,19 @@
           <a:lstStyle/>
           <a:p>
             <a:r>
-              <a:rPr lang="en-US" dirty="0" smtClean="0"/>
+              <a:rPr lang="en-US" dirty="0"/>
               <a:t>Add sine waves together to make interesting sounds</a:t>
             </a:r>
           </a:p>
           <a:p>
             <a:r>
-              <a:rPr lang="en-US" dirty="0" smtClean="0"/>
+              <a:rPr lang="en-US" dirty="0"/>
               <a:t>Can analyze sounds in real life and mimic them with limited success (most real sounds are very complex)</a:t>
             </a:r>
           </a:p>
           <a:p>
             <a:r>
-              <a:rPr lang="en-US" dirty="0" smtClean="0"/>
+              <a:rPr lang="en-US" dirty="0"/>
               <a:t>Or, just play around until you have something interesting.</a:t>
             </a:r>
           </a:p>
@@ -5744,7 +5580,7 @@
               <a:buNone/>
             </a:pPr>
             <a:r>
-              <a:rPr lang="en-US" b="1" dirty="0" smtClean="0">
+              <a:rPr lang="en-US" b="1" dirty="0">
                 <a:solidFill>
                   <a:schemeClr val="accent5"/>
                 </a:solidFill>
@@ -5754,23 +5590,23 @@
           </a:p>
           <a:p>
             <a:r>
-              <a:rPr lang="en-US" dirty="0" smtClean="0"/>
+              <a:rPr lang="en-US" dirty="0"/>
               <a:t>10 harmonics</a:t>
             </a:r>
           </a:p>
           <a:p>
             <a:r>
-              <a:rPr lang="en-US" dirty="0" smtClean="0"/>
+              <a:rPr lang="en-US" dirty="0"/>
               <a:t>Envelope: 0% quiet, 5% full loud, 10% half loud, 100% quite</a:t>
             </a:r>
           </a:p>
           <a:p>
             <a:r>
-              <a:rPr lang="en-US" dirty="0" smtClean="0"/>
+              <a:rPr lang="en-US" dirty="0"/>
               <a:t>Each harmonic envelope lasts: </a:t>
             </a:r>
             <a:r>
-              <a:rPr lang="en-US" dirty="0" smtClean="0">
+              <a:rPr lang="en-US" dirty="0">
                 <a:solidFill>
                   <a:srgbClr val="FFC000"/>
                 </a:solidFill>
@@ -5780,10 +5616,9 @@
           </a:p>
           <a:p>
             <a:r>
-              <a:rPr lang="en-US" dirty="0" smtClean="0"/>
+              <a:rPr lang="en-US" dirty="0"/>
               <a:t>Lower frequencies last longer, like real life sounds.</a:t>
             </a:r>
-            <a:endParaRPr lang="en-US" dirty="0"/>
           </a:p>
         </p:txBody>
       </p:sp>
@@ -5803,10 +5638,9 @@
           <a:lstStyle/>
           <a:p>
             <a:r>
-              <a:rPr lang="en-US" dirty="0" smtClean="0"/>
+              <a:rPr lang="en-US" dirty="0"/>
               <a:t>Additive Synthesis</a:t>
             </a:r>
-            <a:endParaRPr lang="en-US" dirty="0"/>
           </a:p>
         </p:txBody>
       </p:sp>
@@ -5836,7 +5670,7 @@
           <a:lstStyle/>
           <a:p>
             <a:r>
-              <a:rPr lang="en-US" b="1" dirty="0" smtClean="0">
+              <a:rPr lang="en-US" b="1" dirty="0">
                 <a:solidFill>
                   <a:srgbClr val="FFFF00"/>
                 </a:solidFill>
@@ -5868,13 +5702,6 @@
       </p:transition>
     </mc:Fallback>
   </mc:AlternateContent>
-  <p:timing>
-    <p:tnLst>
-      <p:par>
-        <p:cTn id="1" dur="indefinite" restart="never" nodeType="tmRoot"/>
-      </p:par>
-    </p:tnLst>
-  </p:timing>
 </p:sld>
 </file>
 
@@ -5913,7 +5740,7 @@
           <a:lstStyle/>
           <a:p>
             <a:r>
-              <a:rPr lang="en-US" b="1" u="sng" dirty="0" smtClean="0">
+              <a:rPr lang="en-US" b="1" u="sng" dirty="0">
                 <a:solidFill>
                   <a:srgbClr val="FFC000"/>
                 </a:solidFill>
@@ -5921,46 +5748,34 @@
               <a:t>Terminology:</a:t>
             </a:r>
             <a:r>
-              <a:rPr lang="en-US" dirty="0" smtClean="0"/>
+              <a:rPr lang="en-US" dirty="0"/>
               <a:t> Low Frequency Oscillator (LFO)</a:t>
             </a:r>
           </a:p>
           <a:p>
             <a:pPr lvl="1"/>
             <a:r>
-              <a:rPr lang="en-US" dirty="0" smtClean="0"/>
+              <a:rPr lang="en-US" dirty="0"/>
               <a:t>A low frequency wave (usually sine wave), commonly used to drive other effects or behaviors.</a:t>
             </a:r>
           </a:p>
           <a:p>
             <a:pPr lvl="1"/>
             <a:r>
-              <a:rPr lang="en-US" dirty="0" smtClean="0"/>
+              <a:rPr lang="en-US" dirty="0"/>
               <a:t>Very cool and powerful technique!</a:t>
             </a:r>
           </a:p>
           <a:p>
             <a:r>
               <a:rPr lang="en-US" dirty="0"/>
-              <a:t>Tremolo = use an LFO to control </a:t>
-            </a:r>
-            <a:r>
-              <a:rPr lang="en-US" dirty="0" smtClean="0"/>
-              <a:t>amplitude &amp; volume </a:t>
-            </a:r>
-            <a:r>
-              <a:rPr lang="en-US" dirty="0"/>
-              <a:t>over time</a:t>
-            </a:r>
-          </a:p>
-          <a:p>
-            <a:r>
-              <a:rPr lang="en-US" dirty="0"/>
-              <a:t>Vibrato = use an LFO to control frequency over </a:t>
-            </a:r>
-            <a:r>
-              <a:rPr lang="en-US" dirty="0" smtClean="0"/>
-              <a:t>time</a:t>
+              <a:t>Tremolo = use an LFO to control amplitude &amp; volume over time</a:t>
+            </a:r>
+          </a:p>
+          <a:p>
+            <a:r>
+              <a:rPr lang="en-US" dirty="0"/>
+              <a:t>Vibrato = use an LFO to control frequency over time</a:t>
             </a:r>
           </a:p>
           <a:p>
@@ -5968,33 +5783,27 @@
               <a:buNone/>
             </a:pPr>
             <a:r>
-              <a:rPr lang="en-US" b="1" dirty="0" smtClean="0">
+              <a:rPr lang="en-US" b="1" dirty="0">
                 <a:solidFill>
                   <a:schemeClr val="accent6"/>
                 </a:solidFill>
               </a:rPr>
               <a:t>When LFO Taken To Audible Frequencies (HFO?)</a:t>
             </a:r>
-            <a:endParaRPr lang="en-US" b="1" dirty="0">
-              <a:solidFill>
-                <a:schemeClr val="accent6"/>
-              </a:solidFill>
-            </a:endParaRPr>
           </a:p>
           <a:p>
             <a:pPr lvl="1"/>
             <a:r>
-              <a:rPr lang="en-US" dirty="0" smtClean="0"/>
+              <a:rPr lang="en-US" dirty="0"/>
               <a:t>Tremolo = Amplitude Modulation (AM) Synthesis</a:t>
             </a:r>
           </a:p>
           <a:p>
             <a:pPr lvl="1"/>
             <a:r>
-              <a:rPr lang="en-US" dirty="0" smtClean="0"/>
+              <a:rPr lang="en-US" dirty="0"/>
               <a:t>Vibrato = Frequency Modulation (FM) synthesis</a:t>
             </a:r>
-            <a:endParaRPr lang="en-US" dirty="0"/>
           </a:p>
         </p:txBody>
       </p:sp>
@@ -6014,10 +5823,9 @@
           <a:lstStyle/>
           <a:p>
             <a:r>
-              <a:rPr lang="en-US" dirty="0" smtClean="0"/>
+              <a:rPr lang="en-US" dirty="0"/>
               <a:t>Tremolo &amp; Vibrato Effects</a:t>
             </a:r>
-            <a:endParaRPr lang="en-US" dirty="0"/>
           </a:p>
         </p:txBody>
       </p:sp>
@@ -6047,7 +5855,7 @@
           <a:lstStyle/>
           <a:p>
             <a:r>
-              <a:rPr lang="en-US" b="1" dirty="0" smtClean="0">
+              <a:rPr lang="en-US" b="1" dirty="0">
                 <a:solidFill>
                   <a:srgbClr val="FFFF00"/>
                 </a:solidFill>
@@ -6055,14 +5863,14 @@
               <a:t>Demo: </a:t>
             </a:r>
             <a:r>
-              <a:rPr lang="en-US" b="1" dirty="0" err="1" smtClean="0">
+              <a:rPr lang="en-US" b="1" dirty="0" err="1">
                 <a:solidFill>
                   <a:srgbClr val="FFFF00"/>
                 </a:solidFill>
               </a:rPr>
               <a:t>TremVib</a:t>
             </a:r>
-            <a:endParaRPr lang="en-US" b="1" dirty="0" smtClean="0">
+            <a:endParaRPr lang="en-US" b="1" dirty="0">
               <a:solidFill>
                 <a:srgbClr val="FFFF00"/>
               </a:solidFill>
@@ -6092,13 +5900,6 @@
       </p:transition>
     </mc:Fallback>
   </mc:AlternateContent>
-  <p:timing>
-    <p:tnLst>
-      <p:par>
-        <p:cTn id="1" dur="indefinite" restart="never" nodeType="tmRoot"/>
-      </p:par>
-    </p:tnLst>
-  </p:timing>
 </p:sld>
 </file>
 
@@ -6142,19 +5943,19 @@
           <a:lstStyle/>
           <a:p>
             <a:r>
-              <a:rPr lang="en-US" dirty="0" smtClean="0"/>
+              <a:rPr lang="en-US" dirty="0"/>
               <a:t>Bring Vibrato frequency up to audible frequencies</a:t>
             </a:r>
           </a:p>
           <a:p>
             <a:r>
-              <a:rPr lang="en-US" dirty="0" smtClean="0"/>
+              <a:rPr lang="en-US" dirty="0"/>
               <a:t>Very hit or miss black magic, but based on solid math.</a:t>
             </a:r>
           </a:p>
           <a:p>
             <a:r>
-              <a:rPr lang="en-US" dirty="0" smtClean="0"/>
+              <a:rPr lang="en-US" dirty="0"/>
               <a:t>2 Parameters:</a:t>
             </a:r>
           </a:p>
@@ -6164,7 +5965,7 @@
               <a:buAutoNum type="arabicPeriod"/>
             </a:pPr>
             <a:r>
-              <a:rPr lang="en-US" dirty="0" smtClean="0"/>
+              <a:rPr lang="en-US" dirty="0"/>
               <a:t>Frequency of frequency altering wave (frequency)</a:t>
             </a:r>
           </a:p>
@@ -6174,25 +5975,25 @@
               <a:buAutoNum type="arabicPeriod"/>
             </a:pPr>
             <a:r>
-              <a:rPr lang="en-US" dirty="0" smtClean="0"/>
+              <a:rPr lang="en-US" dirty="0"/>
               <a:t>How much the frequency should be altered by (amplitude)</a:t>
             </a:r>
           </a:p>
           <a:p>
             <a:r>
-              <a:rPr lang="en-US" dirty="0" smtClean="0"/>
+              <a:rPr lang="en-US" dirty="0"/>
               <a:t>Can use trees of FM to create complex sounds.</a:t>
             </a:r>
           </a:p>
           <a:p>
             <a:r>
-              <a:rPr lang="en-US" dirty="0" smtClean="0"/>
+              <a:rPr lang="en-US" dirty="0"/>
               <a:t>Very Deep Topic!</a:t>
             </a:r>
           </a:p>
           <a:p>
             <a:r>
-              <a:rPr lang="en-US" dirty="0" smtClean="0"/>
+              <a:rPr lang="en-US" dirty="0"/>
               <a:t>Yes, related to FM radio a bit.</a:t>
             </a:r>
           </a:p>
@@ -6214,10 +6015,9 @@
           <a:lstStyle/>
           <a:p>
             <a:r>
-              <a:rPr lang="en-US" dirty="0" smtClean="0"/>
+              <a:rPr lang="en-US" dirty="0"/>
               <a:t>FM Synthesis</a:t>
             </a:r>
-            <a:endParaRPr lang="en-US" dirty="0"/>
           </a:p>
         </p:txBody>
       </p:sp>
@@ -6277,7 +6077,7 @@
           <a:lstStyle/>
           <a:p>
             <a:r>
-              <a:rPr lang="en-US" b="1" dirty="0" smtClean="0">
+              <a:rPr lang="en-US" b="1" dirty="0">
                 <a:solidFill>
                   <a:srgbClr val="FFFF00"/>
                 </a:solidFill>
@@ -6285,14 +6085,14 @@
               <a:t>Demo: </a:t>
             </a:r>
             <a:r>
-              <a:rPr lang="en-US" b="1" dirty="0" err="1" smtClean="0">
+              <a:rPr lang="en-US" b="1" dirty="0" err="1">
                 <a:solidFill>
                   <a:srgbClr val="FFFF00"/>
                 </a:solidFill>
               </a:rPr>
               <a:t>FMSynth</a:t>
             </a:r>
-            <a:endParaRPr lang="en-US" b="1" dirty="0" smtClean="0">
+            <a:endParaRPr lang="en-US" b="1" dirty="0">
               <a:solidFill>
                 <a:srgbClr val="FFFF00"/>
               </a:solidFill>
@@ -6322,13 +6122,6 @@
       </p:transition>
     </mc:Fallback>
   </mc:AlternateContent>
-  <p:timing>
-    <p:tnLst>
-      <p:par>
-        <p:cTn id="1" dur="indefinite" restart="never" nodeType="tmRoot"/>
-      </p:par>
-    </p:tnLst>
-  </p:timing>
 </p:sld>
 </file>
 
@@ -6367,27 +6160,27 @@
           <a:lstStyle/>
           <a:p>
             <a:r>
-              <a:rPr lang="en-US" dirty="0" smtClean="0"/>
+              <a:rPr lang="en-US" dirty="0"/>
               <a:t>Circular buffer of audio samples.</a:t>
             </a:r>
           </a:p>
           <a:p>
             <a:r>
-              <a:rPr lang="en-US" dirty="0" smtClean="0"/>
+              <a:rPr lang="en-US" dirty="0"/>
               <a:t>Parameters:</a:t>
             </a:r>
           </a:p>
           <a:p>
             <a:pPr lvl="1"/>
             <a:r>
-              <a:rPr lang="en-US" dirty="0" smtClean="0"/>
+              <a:rPr lang="en-US" dirty="0"/>
               <a:t>Time: determines size of buffer.</a:t>
             </a:r>
           </a:p>
           <a:p>
             <a:pPr lvl="2"/>
             <a:r>
-              <a:rPr lang="en-US" dirty="0" err="1" smtClean="0">
+              <a:rPr lang="en-US" dirty="0" err="1">
                 <a:solidFill>
                   <a:srgbClr val="FFC000"/>
                 </a:solidFill>
@@ -6395,7 +6188,7 @@
               <a:t>bufferSize</a:t>
             </a:r>
             <a:r>
-              <a:rPr lang="en-US" dirty="0" smtClean="0">
+              <a:rPr lang="en-US" dirty="0">
                 <a:solidFill>
                   <a:srgbClr val="FFC000"/>
                 </a:solidFill>
@@ -6403,7 +6196,7 @@
               <a:t> = </a:t>
             </a:r>
             <a:r>
-              <a:rPr lang="en-US" dirty="0" err="1" smtClean="0">
+              <a:rPr lang="en-US" dirty="0" err="1">
                 <a:solidFill>
                   <a:srgbClr val="FFC000"/>
                 </a:solidFill>
@@ -6411,7 +6204,7 @@
               <a:t>delayTime</a:t>
             </a:r>
             <a:r>
-              <a:rPr lang="en-US" dirty="0" smtClean="0">
+              <a:rPr lang="en-US" dirty="0">
                 <a:solidFill>
                   <a:srgbClr val="FFC000"/>
                 </a:solidFill>
@@ -6419,7 +6212,7 @@
               <a:t> * </a:t>
             </a:r>
             <a:r>
-              <a:rPr lang="en-US" dirty="0" err="1" smtClean="0">
+              <a:rPr lang="en-US" dirty="0" err="1">
                 <a:solidFill>
                   <a:srgbClr val="FFC000"/>
                 </a:solidFill>
@@ -6427,7 +6220,7 @@
               <a:t>sampleRate</a:t>
             </a:r>
             <a:r>
-              <a:rPr lang="en-US" dirty="0" smtClean="0">
+              <a:rPr lang="en-US" dirty="0">
                 <a:solidFill>
                   <a:srgbClr val="FFC000"/>
                 </a:solidFill>
@@ -6435,14 +6228,14 @@
               <a:t> * </a:t>
             </a:r>
             <a:r>
-              <a:rPr lang="en-US" dirty="0" err="1" smtClean="0">
+              <a:rPr lang="en-US" dirty="0" err="1">
                 <a:solidFill>
                   <a:srgbClr val="FFC000"/>
                 </a:solidFill>
               </a:rPr>
               <a:t>numChannels</a:t>
             </a:r>
-            <a:endParaRPr lang="en-US" dirty="0" smtClean="0">
+            <a:endParaRPr lang="en-US" dirty="0">
               <a:solidFill>
                 <a:srgbClr val="FFC000"/>
               </a:solidFill>
@@ -6451,16 +6244,15 @@
           <a:p>
             <a:pPr lvl="1"/>
             <a:r>
-              <a:rPr lang="en-US" dirty="0" smtClean="0"/>
+              <a:rPr lang="en-US" dirty="0"/>
               <a:t>Feedback: before writing (adding) a new sample into the circular buffer, multiply the existing sample by this value.</a:t>
             </a:r>
           </a:p>
           <a:p>
             <a:r>
-              <a:rPr lang="en-US" dirty="0" smtClean="0"/>
+              <a:rPr lang="en-US" dirty="0"/>
               <a:t>How it Works:</a:t>
             </a:r>
-            <a:endParaRPr lang="en-US" dirty="0"/>
           </a:p>
           <a:p>
             <a:pPr marL="688975" lvl="1" indent="-457200">
@@ -6468,15 +6260,15 @@
               <a:buAutoNum type="arabicPeriod"/>
             </a:pPr>
             <a:r>
-              <a:rPr lang="en-US" dirty="0" smtClean="0"/>
+              <a:rPr lang="en-US" dirty="0"/>
               <a:t>ret = buffer[index] + </a:t>
             </a:r>
             <a:r>
-              <a:rPr lang="en-US" dirty="0" err="1" smtClean="0"/>
+              <a:rPr lang="en-US" dirty="0" err="1"/>
               <a:t>inputSample</a:t>
             </a:r>
             <a:r>
-              <a:rPr lang="en-US" dirty="0" smtClean="0"/>
+              <a:rPr lang="en-US" dirty="0"/>
               <a:t>;</a:t>
             </a:r>
           </a:p>
@@ -6486,15 +6278,15 @@
               <a:buAutoNum type="arabicPeriod"/>
             </a:pPr>
             <a:r>
-              <a:rPr lang="en-US" dirty="0" smtClean="0"/>
+              <a:rPr lang="en-US" dirty="0"/>
               <a:t>Buffer[index] = buffer[index] * feedback + </a:t>
             </a:r>
             <a:r>
-              <a:rPr lang="en-US" dirty="0" err="1" smtClean="0"/>
+              <a:rPr lang="en-US" dirty="0" err="1"/>
               <a:t>inputSample</a:t>
             </a:r>
             <a:r>
-              <a:rPr lang="en-US" dirty="0" smtClean="0"/>
+              <a:rPr lang="en-US" dirty="0"/>
               <a:t>;</a:t>
             </a:r>
           </a:p>
@@ -6504,15 +6296,15 @@
               <a:buAutoNum type="arabicPeriod"/>
             </a:pPr>
             <a:r>
-              <a:rPr lang="en-US" dirty="0" smtClean="0"/>
+              <a:rPr lang="en-US" dirty="0"/>
               <a:t>Index = (index+1) % </a:t>
             </a:r>
             <a:r>
-              <a:rPr lang="en-US" dirty="0" err="1" smtClean="0"/>
+              <a:rPr lang="en-US" dirty="0" err="1"/>
               <a:t>bufferSize</a:t>
             </a:r>
             <a:r>
-              <a:rPr lang="en-US" dirty="0" smtClean="0"/>
+              <a:rPr lang="en-US" dirty="0"/>
               <a:t>;</a:t>
             </a:r>
           </a:p>
@@ -6522,7 +6314,7 @@
               <a:buAutoNum type="arabicPeriod"/>
             </a:pPr>
             <a:r>
-              <a:rPr lang="en-US" dirty="0" smtClean="0"/>
+              <a:rPr lang="en-US" dirty="0"/>
               <a:t>return ret;</a:t>
             </a:r>
           </a:p>
@@ -6544,10 +6336,9 @@
           <a:lstStyle/>
           <a:p>
             <a:r>
-              <a:rPr lang="en-US" dirty="0" smtClean="0"/>
+              <a:rPr lang="en-US" dirty="0"/>
               <a:t>Delay (Echo) Effect</a:t>
             </a:r>
-            <a:endParaRPr lang="en-US" dirty="0"/>
           </a:p>
         </p:txBody>
       </p:sp>
@@ -6607,7 +6398,7 @@
           <a:lstStyle/>
           <a:p>
             <a:r>
-              <a:rPr lang="en-US" b="1" dirty="0" smtClean="0">
+              <a:rPr lang="en-US" b="1" dirty="0">
                 <a:solidFill>
                   <a:srgbClr val="FFFF00"/>
                 </a:solidFill>
@@ -6639,13 +6430,6 @@
       </p:transition>
     </mc:Fallback>
   </mc:AlternateContent>
-  <p:timing>
-    <p:tnLst>
-      <p:par>
-        <p:cTn id="1" dur="indefinite" restart="never" nodeType="tmRoot"/>
-      </p:par>
-    </p:tnLst>
-  </p:timing>
 </p:sld>
 </file>
 
@@ -6684,48 +6468,48 @@
           <a:lstStyle/>
           <a:p>
             <a:r>
-              <a:rPr lang="en-US" dirty="0" smtClean="0"/>
+              <a:rPr lang="en-US" dirty="0"/>
               <a:t>Reverb = many </a:t>
             </a:r>
             <a:r>
-              <a:rPr lang="en-US" dirty="0" err="1" smtClean="0"/>
+              <a:rPr lang="en-US" dirty="0" err="1"/>
               <a:t>echos</a:t>
             </a:r>
             <a:r>
-              <a:rPr lang="en-US" dirty="0" smtClean="0"/>
+              <a:rPr lang="en-US" dirty="0"/>
               <a:t> at different volumes and times, from a real environment.  Hallways, caverns, churches, small rooms, etc.</a:t>
             </a:r>
           </a:p>
           <a:p>
             <a:r>
-              <a:rPr lang="en-US" dirty="0" smtClean="0"/>
+              <a:rPr lang="en-US" dirty="0"/>
               <a:t>Correct Reverb = Convolution of impulse (single 1.0 sample, or a clap) in said environment.</a:t>
             </a:r>
           </a:p>
           <a:p>
             <a:r>
-              <a:rPr lang="en-US" dirty="0" smtClean="0"/>
+              <a:rPr lang="en-US" dirty="0"/>
               <a:t>Simpler / Cheaper to just do N echoes at various times and amplitudes.</a:t>
             </a:r>
           </a:p>
           <a:p>
             <a:r>
-              <a:rPr lang="en-US" dirty="0" err="1" smtClean="0"/>
+              <a:rPr lang="en-US" dirty="0" err="1"/>
               <a:t>Multitap</a:t>
             </a:r>
             <a:r>
-              <a:rPr lang="en-US" dirty="0" smtClean="0"/>
+              <a:rPr lang="en-US" dirty="0"/>
               <a:t> Reverb = a delay effect with lots of reads into the delay buffer, multiplying each read by a volume scaling value.  Approximates convolution!  Not as high quality though.</a:t>
             </a:r>
           </a:p>
           <a:p>
             <a:r>
-              <a:rPr lang="en-US" dirty="0" smtClean="0"/>
+              <a:rPr lang="en-US" dirty="0"/>
               <a:t>Demo: 7 taps in a 0.662s delay buffer at various volumes.</a:t>
             </a:r>
           </a:p>
           <a:p>
-            <a:endParaRPr lang="en-US" dirty="0" smtClean="0"/>
+            <a:endParaRPr lang="en-US" dirty="0"/>
           </a:p>
         </p:txBody>
       </p:sp>
@@ -6745,14 +6529,13 @@
           <a:lstStyle/>
           <a:p>
             <a:r>
-              <a:rPr lang="en-US" dirty="0" err="1" smtClean="0"/>
+              <a:rPr lang="en-US" dirty="0" err="1"/>
               <a:t>Multitap</a:t>
             </a:r>
             <a:r>
-              <a:rPr lang="en-US" dirty="0" smtClean="0"/>
+              <a:rPr lang="en-US" dirty="0"/>
               <a:t> Reverberation Effect</a:t>
             </a:r>
-            <a:endParaRPr lang="en-US" dirty="0"/>
           </a:p>
         </p:txBody>
       </p:sp>
@@ -6782,7 +6565,7 @@
           <a:lstStyle/>
           <a:p>
             <a:r>
-              <a:rPr lang="en-US" b="1" dirty="0" smtClean="0">
+              <a:rPr lang="en-US" b="1" dirty="0">
                 <a:solidFill>
                   <a:srgbClr val="FFFF00"/>
                 </a:solidFill>
@@ -6814,13 +6597,6 @@
       </p:transition>
     </mc:Fallback>
   </mc:AlternateContent>
-  <p:timing>
-    <p:tnLst>
-      <p:par>
-        <p:cTn id="1" dur="indefinite" restart="never" nodeType="tmRoot"/>
-      </p:par>
-    </p:tnLst>
-  </p:timing>
 </p:sld>
 </file>
 
@@ -6865,41 +6641,41 @@
           </a:p>
           <a:p>
             <a:r>
-              <a:rPr lang="en-US" dirty="0" smtClean="0"/>
+              <a:rPr lang="en-US" dirty="0"/>
               <a:t>Mix a sound with itself, at a different time.  Time delay varies over time.</a:t>
             </a:r>
           </a:p>
           <a:p>
             <a:r>
-              <a:rPr lang="en-US" dirty="0" smtClean="0"/>
+              <a:rPr lang="en-US" dirty="0"/>
               <a:t>Implementation: Use a delay buffer, but instead of reading from the write head, offset the read from the write head using an LFO.</a:t>
             </a:r>
           </a:p>
           <a:p>
             <a:r>
-              <a:rPr lang="en-US" dirty="0" smtClean="0"/>
+              <a:rPr lang="en-US" dirty="0"/>
               <a:t>Parameters:</a:t>
             </a:r>
           </a:p>
           <a:p>
             <a:pPr lvl="1"/>
             <a:r>
-              <a:rPr lang="en-US" dirty="0" smtClean="0"/>
+              <a:rPr lang="en-US" dirty="0"/>
               <a:t>Time: determines size of delay buffer</a:t>
             </a:r>
           </a:p>
           <a:p>
             <a:pPr lvl="1"/>
             <a:r>
-              <a:rPr lang="en-US" dirty="0" smtClean="0"/>
+              <a:rPr lang="en-US" dirty="0"/>
               <a:t>Frequency: how fast the read offset should move between 0 and </a:t>
             </a:r>
             <a:r>
-              <a:rPr lang="en-US" dirty="0" err="1" smtClean="0"/>
+              <a:rPr lang="en-US" dirty="0" err="1"/>
               <a:t>bufferSize</a:t>
             </a:r>
             <a:r>
-              <a:rPr lang="en-US" dirty="0" smtClean="0"/>
+              <a:rPr lang="en-US" dirty="0"/>
               <a:t>.</a:t>
             </a:r>
           </a:p>
@@ -6921,10 +6697,9 @@
           <a:lstStyle/>
           <a:p>
             <a:r>
-              <a:rPr lang="en-US" dirty="0" smtClean="0"/>
+              <a:rPr lang="en-US" dirty="0"/>
               <a:t>Flange Effect</a:t>
             </a:r>
-            <a:endParaRPr lang="en-US" dirty="0"/>
           </a:p>
         </p:txBody>
       </p:sp>
@@ -6954,7 +6729,7 @@
           <a:lstStyle/>
           <a:p>
             <a:r>
-              <a:rPr lang="en-US" b="1" dirty="0" smtClean="0">
+              <a:rPr lang="en-US" b="1" dirty="0">
                 <a:solidFill>
                   <a:srgbClr val="FFFF00"/>
                 </a:solidFill>
@@ -6986,13 +6761,6 @@
       </p:transition>
     </mc:Fallback>
   </mc:AlternateContent>
-  <p:timing>
-    <p:tnLst>
-      <p:par>
-        <p:cTn id="1" dur="indefinite" restart="never" nodeType="tmRoot"/>
-      </p:par>
-    </p:tnLst>
-  </p:timing>
 </p:sld>
 </file>
 
@@ -7029,62 +6797,53 @@
           <a:lstStyle/>
           <a:p>
             <a:r>
-              <a:rPr lang="en-US" dirty="0" smtClean="0"/>
+              <a:rPr lang="en-US" dirty="0"/>
               <a:t>Get an intuitive sense of audio synthesis for music</a:t>
             </a:r>
           </a:p>
           <a:p>
             <a:r>
-              <a:rPr lang="en-US" dirty="0" smtClean="0"/>
+              <a:rPr lang="en-US" dirty="0"/>
               <a:t>Be able to experiment immediately and get results</a:t>
             </a:r>
           </a:p>
           <a:p>
             <a:r>
-              <a:rPr lang="en-US" dirty="0" smtClean="0"/>
+              <a:rPr lang="en-US" dirty="0"/>
               <a:t>Caveat: I am a programmer by trade, not a musician –OR– a sound designer!</a:t>
             </a:r>
           </a:p>
           <a:p>
             <a:r>
-              <a:rPr lang="en-US" dirty="0" smtClean="0"/>
+              <a:rPr lang="en-US" dirty="0"/>
               <a:t>I’m using a qwerty keyboard for demos, but MIDI devices are pretty easy to interface with too!</a:t>
             </a:r>
           </a:p>
           <a:p>
             <a:r>
               <a:rPr lang="en-US" dirty="0"/>
-              <a:t>Music/Audio/Synth is very much “whatever works</a:t>
-            </a:r>
-            <a:r>
-              <a:rPr lang="en-US" dirty="0" smtClean="0"/>
-              <a:t>”</a:t>
-            </a:r>
-          </a:p>
-          <a:p>
-            <a:r>
-              <a:rPr lang="en-US" dirty="0" smtClean="0"/>
+              <a:t>Music/Audio/Synth is very much “whatever works”</a:t>
+            </a:r>
+          </a:p>
+          <a:p>
+            <a:r>
+              <a:rPr lang="en-US" dirty="0"/>
               <a:t>More Audio Synth topics on my blog: </a:t>
             </a:r>
             <a:r>
-              <a:rPr lang="en-US" dirty="0" smtClean="0">
+              <a:rPr lang="en-US" dirty="0">
                 <a:solidFill>
                   <a:srgbClr val="FFC000"/>
                 </a:solidFill>
               </a:rPr>
               <a:t>blog.demofox.org</a:t>
             </a:r>
-            <a:endParaRPr lang="en-US" dirty="0">
-              <a:solidFill>
-                <a:srgbClr val="FFC000"/>
-              </a:solidFill>
-            </a:endParaRPr>
           </a:p>
           <a:p>
             <a:pPr marL="0" indent="0">
               <a:buNone/>
             </a:pPr>
-            <a:endParaRPr lang="en-US" dirty="0" smtClean="0"/>
+            <a:endParaRPr lang="en-US" dirty="0"/>
           </a:p>
         </p:txBody>
       </p:sp>
@@ -7104,10 +6863,9 @@
           <a:lstStyle/>
           <a:p>
             <a:r>
-              <a:rPr lang="en-US" dirty="0" smtClean="0"/>
+              <a:rPr lang="en-US" dirty="0"/>
               <a:t>Goals &amp; Intro</a:t>
             </a:r>
-            <a:endParaRPr lang="en-US" dirty="0"/>
           </a:p>
         </p:txBody>
       </p:sp>
@@ -7133,13 +6891,6 @@
       </p:transition>
     </mc:Fallback>
   </mc:AlternateContent>
-  <p:timing>
-    <p:tnLst>
-      <p:par>
-        <p:cTn id="1" dur="indefinite" restart="never" nodeType="tmRoot"/>
-      </p:par>
-    </p:tnLst>
-  </p:timing>
 </p:sld>
 </file>
 
@@ -7178,61 +6929,61 @@
           <a:lstStyle/>
           <a:p>
             <a:r>
-              <a:rPr lang="en-US" dirty="0" smtClean="0"/>
+              <a:rPr lang="en-US" dirty="0"/>
               <a:t>You are better off using sound samples!</a:t>
             </a:r>
           </a:p>
           <a:p>
             <a:r>
-              <a:rPr lang="en-US" dirty="0" smtClean="0"/>
+              <a:rPr lang="en-US" dirty="0"/>
               <a:t>There are some ways to make it sound passable though.</a:t>
             </a:r>
           </a:p>
           <a:p>
             <a:r>
-              <a:rPr lang="en-US" dirty="0" smtClean="0"/>
+              <a:rPr lang="en-US" dirty="0"/>
               <a:t>This demo is not so great, and just scratches the surface.</a:t>
             </a:r>
           </a:p>
           <a:p>
             <a:r>
-              <a:rPr lang="en-US" dirty="0" smtClean="0"/>
+              <a:rPr lang="en-US" dirty="0"/>
               <a:t>Drum:</a:t>
             </a:r>
           </a:p>
           <a:p>
             <a:pPr lvl="1"/>
             <a:r>
-              <a:rPr lang="en-US" dirty="0" smtClean="0"/>
+              <a:rPr lang="en-US" dirty="0"/>
               <a:t>Use sine wave.  Envelope = 10ms attack, 10ms hold, 175ms decay.</a:t>
             </a:r>
           </a:p>
           <a:p>
             <a:pPr lvl="1"/>
             <a:r>
-              <a:rPr lang="en-US" dirty="0" smtClean="0"/>
+              <a:rPr lang="en-US" dirty="0"/>
               <a:t>Make frequency drop over time.</a:t>
             </a:r>
           </a:p>
           <a:p>
             <a:r>
-              <a:rPr lang="en-US" dirty="0" smtClean="0"/>
+              <a:rPr lang="en-US" dirty="0"/>
               <a:t>Cymbals:</a:t>
             </a:r>
           </a:p>
           <a:p>
             <a:pPr lvl="1"/>
             <a:r>
-              <a:rPr lang="en-US" dirty="0" smtClean="0"/>
+              <a:rPr lang="en-US" dirty="0"/>
               <a:t>Shape noise (static) with an envelope.</a:t>
             </a:r>
           </a:p>
           <a:p>
             <a:pPr lvl="1"/>
-            <a:endParaRPr lang="en-US" dirty="0" smtClean="0"/>
-          </a:p>
-          <a:p>
-            <a:endParaRPr lang="en-US" dirty="0" smtClean="0"/>
+            <a:endParaRPr lang="en-US" dirty="0"/>
+          </a:p>
+          <a:p>
+            <a:endParaRPr lang="en-US" dirty="0"/>
           </a:p>
         </p:txBody>
       </p:sp>
@@ -7252,10 +7003,9 @@
           <a:lstStyle/>
           <a:p>
             <a:r>
-              <a:rPr lang="en-US" dirty="0" smtClean="0"/>
+              <a:rPr lang="en-US" dirty="0"/>
               <a:t>Synth Drum + Percussion Sounds</a:t>
             </a:r>
-            <a:endParaRPr lang="en-US" dirty="0"/>
           </a:p>
         </p:txBody>
       </p:sp>
@@ -7285,7 +7035,7 @@
           <a:lstStyle/>
           <a:p>
             <a:r>
-              <a:rPr lang="en-US" b="1" dirty="0" smtClean="0">
+              <a:rPr lang="en-US" b="1" dirty="0">
                 <a:solidFill>
                   <a:srgbClr val="FFFF00"/>
                 </a:solidFill>
@@ -7317,13 +7067,6 @@
       </p:transition>
     </mc:Fallback>
   </mc:AlternateContent>
-  <p:timing>
-    <p:tnLst>
-      <p:par>
-        <p:cTn id="1" dur="indefinite" restart="never" nodeType="tmRoot"/>
-      </p:par>
-    </p:tnLst>
-  </p:timing>
 </p:sld>
 </file>
 
@@ -7367,37 +7110,42 @@
           <a:lstStyle/>
           <a:p>
             <a:r>
-              <a:rPr lang="en-US" dirty="0" smtClean="0"/>
+              <a:rPr lang="en-US" dirty="0"/>
               <a:t>Compressor = Slowly turn down volume if too loud, turn it back up again when it’s quieter.</a:t>
             </a:r>
           </a:p>
           <a:p>
             <a:r>
-              <a:rPr lang="en-US" dirty="0" smtClean="0"/>
+              <a:rPr lang="en-US" dirty="0"/>
               <a:t>Limiter = If sound clips, turn down sound instantly to make it not clip.  Turn sound up again later when quieter.</a:t>
             </a:r>
           </a:p>
           <a:p>
             <a:r>
-              <a:rPr lang="en-US" dirty="0" smtClean="0"/>
+              <a:rPr lang="en-US" dirty="0"/>
               <a:t>Ducking = make something quieter to make something else stand out more.</a:t>
             </a:r>
           </a:p>
           <a:p>
             <a:r>
-              <a:rPr lang="en-US" dirty="0" smtClean="0"/>
-              <a:t>We do all of these in heroes and SC2!</a:t>
-            </a:r>
-          </a:p>
-          <a:p>
-            <a:r>
-              <a:rPr lang="en-US" dirty="0" smtClean="0"/>
+              <a:rPr lang="en-US" dirty="0"/>
+              <a:t>Several games do the above to fight ear fatigue and to make sounds </a:t>
+            </a:r>
+            <a:r>
+              <a:rPr lang="en-US"/>
+              <a:t>stand out.</a:t>
+            </a:r>
+            <a:endParaRPr lang="en-US" dirty="0"/>
+          </a:p>
+          <a:p>
+            <a:r>
+              <a:rPr lang="en-US" dirty="0"/>
               <a:t>See also battlefield for high dynamic range audio.</a:t>
             </a:r>
           </a:p>
           <a:p>
             <a:r>
-              <a:rPr lang="en-US" dirty="0" smtClean="0"/>
+              <a:rPr lang="en-US" dirty="0"/>
               <a:t>In music, it’s common to use “side chain compression” to make a compressor turn down music in response to drum sounds being loud.</a:t>
             </a:r>
           </a:p>
@@ -7419,10 +7167,9 @@
           <a:lstStyle/>
           <a:p>
             <a:r>
-              <a:rPr lang="en-US" dirty="0" smtClean="0"/>
+              <a:rPr lang="en-US" dirty="0"/>
               <a:t>Volume Adjustment Effects (Simplified)</a:t>
             </a:r>
-            <a:endParaRPr lang="en-US" dirty="0"/>
           </a:p>
         </p:txBody>
       </p:sp>
@@ -7452,7 +7199,7 @@
           <a:lstStyle/>
           <a:p>
             <a:r>
-              <a:rPr lang="en-US" b="1" dirty="0" smtClean="0">
+              <a:rPr lang="en-US" b="1" dirty="0">
                 <a:solidFill>
                   <a:srgbClr val="FFFF00"/>
                 </a:solidFill>
@@ -7484,13 +7231,6 @@
       </p:transition>
     </mc:Fallback>
   </mc:AlternateContent>
-  <p:timing>
-    <p:tnLst>
-      <p:par>
-        <p:cTn id="1" dur="indefinite" restart="never" nodeType="tmRoot"/>
-      </p:par>
-    </p:tnLst>
-  </p:timing>
 </p:sld>
 </file>
 
@@ -7529,59 +7269,59 @@
           <a:lstStyle/>
           <a:p>
             <a:r>
-              <a:rPr lang="en-US" dirty="0" smtClean="0"/>
+              <a:rPr lang="en-US" dirty="0"/>
               <a:t>Some filters can change volume of specific frequencies</a:t>
             </a:r>
           </a:p>
           <a:p>
             <a:r>
-              <a:rPr lang="en-US" dirty="0" smtClean="0"/>
+              <a:rPr lang="en-US" dirty="0"/>
               <a:t>Low pass filter (LPF) and High pass filter (HPF) as examples</a:t>
             </a:r>
           </a:p>
           <a:p>
             <a:r>
-              <a:rPr lang="en-US" dirty="0" smtClean="0"/>
+              <a:rPr lang="en-US" dirty="0"/>
               <a:t>Subtractive Synth = carve away frequencies</a:t>
             </a:r>
           </a:p>
           <a:p>
             <a:pPr lvl="1"/>
             <a:r>
-              <a:rPr lang="en-US" dirty="0" smtClean="0"/>
+              <a:rPr lang="en-US" dirty="0"/>
               <a:t>Can only cut away what’s there (odd / all harmonics matters now!)</a:t>
             </a:r>
           </a:p>
           <a:p>
             <a:r>
-              <a:rPr lang="en-US" dirty="0" smtClean="0"/>
+              <a:rPr lang="en-US" dirty="0"/>
               <a:t>Subtractive synth can make interesting sounds, as well as bandlimited wave forms.</a:t>
             </a:r>
           </a:p>
           <a:p>
             <a:r>
-              <a:rPr lang="en-US" dirty="0" smtClean="0"/>
+              <a:rPr lang="en-US" dirty="0"/>
               <a:t>You can also put filter parameters on LFOs for more interesting sound </a:t>
             </a:r>
             <a:r>
-              <a:rPr lang="en-US" dirty="0" err="1" smtClean="0"/>
+              <a:rPr lang="en-US" dirty="0" err="1"/>
               <a:t>scapes</a:t>
             </a:r>
             <a:r>
-              <a:rPr lang="en-US" dirty="0" smtClean="0"/>
+              <a:rPr lang="en-US" dirty="0"/>
               <a:t>.</a:t>
             </a:r>
           </a:p>
           <a:p>
             <a:r>
-              <a:rPr lang="en-US" dirty="0" smtClean="0"/>
+              <a:rPr lang="en-US" dirty="0"/>
               <a:t>More info: read about </a:t>
             </a:r>
             <a:r>
-              <a:rPr lang="en-US" dirty="0" err="1" smtClean="0"/>
+              <a:rPr lang="en-US" dirty="0" err="1"/>
               <a:t>Biquads</a:t>
             </a:r>
-            <a:endParaRPr lang="en-US" dirty="0" smtClean="0"/>
+            <a:endParaRPr lang="en-US" dirty="0"/>
           </a:p>
         </p:txBody>
       </p:sp>
@@ -7601,10 +7341,9 @@
           <a:lstStyle/>
           <a:p>
             <a:r>
-              <a:rPr lang="en-US" dirty="0" smtClean="0"/>
+              <a:rPr lang="en-US" dirty="0"/>
               <a:t>Filtering Effects &amp; Subtractive Synthesis</a:t>
             </a:r>
-            <a:endParaRPr lang="en-US" dirty="0"/>
           </a:p>
         </p:txBody>
       </p:sp>
@@ -7634,7 +7373,7 @@
           <a:lstStyle/>
           <a:p>
             <a:r>
-              <a:rPr lang="en-US" b="1" dirty="0" smtClean="0">
+              <a:rPr lang="en-US" b="1" dirty="0">
                 <a:solidFill>
                   <a:srgbClr val="FFFF00"/>
                 </a:solidFill>
@@ -7666,13 +7405,6 @@
       </p:transition>
     </mc:Fallback>
   </mc:AlternateContent>
-  <p:timing>
-    <p:tnLst>
-      <p:par>
-        <p:cTn id="1" dur="indefinite" restart="never" nodeType="tmRoot"/>
-      </p:par>
-    </p:tnLst>
-  </p:timing>
 </p:sld>
 </file>
 
@@ -7709,53 +7441,53 @@
           <a:lstStyle/>
           <a:p>
             <a:r>
-              <a:rPr lang="en-US" dirty="0" smtClean="0"/>
+              <a:rPr lang="en-US" dirty="0"/>
               <a:t>Everything has been “mono” </a:t>
             </a:r>
             <a:r>
-              <a:rPr lang="en-US" dirty="0" err="1" smtClean="0"/>
+              <a:rPr lang="en-US" dirty="0" err="1"/>
               <a:t>til</a:t>
             </a:r>
             <a:r>
-              <a:rPr lang="en-US" dirty="0" smtClean="0"/>
+              <a:rPr lang="en-US" dirty="0"/>
               <a:t> now. 1 channel.</a:t>
             </a:r>
           </a:p>
           <a:p>
             <a:r>
-              <a:rPr lang="en-US" dirty="0" smtClean="0"/>
+              <a:rPr lang="en-US" dirty="0"/>
               <a:t>You can do interesting things with multiple channels.</a:t>
             </a:r>
           </a:p>
           <a:p>
             <a:r>
-              <a:rPr lang="en-US" dirty="0" smtClean="0"/>
+              <a:rPr lang="en-US" dirty="0"/>
               <a:t>Positional sounds, varying effects per ear, and more.</a:t>
             </a:r>
           </a:p>
           <a:p>
             <a:r>
-              <a:rPr lang="en-US" dirty="0" smtClean="0"/>
+              <a:rPr lang="en-US" dirty="0"/>
               <a:t>Positional Sound:</a:t>
             </a:r>
           </a:p>
           <a:p>
             <a:pPr lvl="1"/>
             <a:r>
-              <a:rPr lang="en-US" dirty="0" smtClean="0"/>
+              <a:rPr lang="en-US" dirty="0"/>
               <a:t>Deep topic, but can be faked by putting left ear volume on sine LFO and right ear volume on cosine LFO.</a:t>
             </a:r>
           </a:p>
           <a:p>
             <a:r>
-              <a:rPr lang="en-US" dirty="0" smtClean="0"/>
+              <a:rPr lang="en-US" dirty="0"/>
               <a:t>Ping Pong Delay:</a:t>
             </a:r>
           </a:p>
           <a:p>
             <a:pPr lvl="1"/>
             <a:r>
-              <a:rPr lang="en-US" dirty="0" smtClean="0"/>
+              <a:rPr lang="en-US" dirty="0"/>
               <a:t>Echoes first to one ear, then the other, then feeds back into first ear.</a:t>
             </a:r>
           </a:p>
@@ -7777,10 +7509,9 @@
           <a:lstStyle/>
           <a:p>
             <a:r>
-              <a:rPr lang="en-US" dirty="0" smtClean="0"/>
+              <a:rPr lang="en-US" dirty="0"/>
               <a:t>Stereo Effects</a:t>
             </a:r>
-            <a:endParaRPr lang="en-US" dirty="0"/>
           </a:p>
         </p:txBody>
       </p:sp>
@@ -7810,7 +7541,7 @@
           <a:lstStyle/>
           <a:p>
             <a:r>
-              <a:rPr lang="en-US" b="1" dirty="0" smtClean="0">
+              <a:rPr lang="en-US" b="1" dirty="0">
                 <a:solidFill>
                   <a:srgbClr val="FFFF00"/>
                 </a:solidFill>
@@ -7842,13 +7573,6 @@
       </p:transition>
     </mc:Fallback>
   </mc:AlternateContent>
-  <p:timing>
-    <p:tnLst>
-      <p:par>
-        <p:cTn id="1" dur="indefinite" restart="never" nodeType="tmRoot"/>
-      </p:par>
-    </p:tnLst>
-  </p:timing>
 </p:sld>
 </file>
 
@@ -7890,10 +7614,9 @@
           <a:lstStyle/>
           <a:p>
             <a:r>
-              <a:rPr lang="en-US" dirty="0" smtClean="0"/>
+              <a:rPr lang="en-US" dirty="0"/>
               <a:t>Musical Audio Synth Cheat Sheet</a:t>
             </a:r>
-            <a:endParaRPr lang="en-US" dirty="0"/>
           </a:p>
         </p:txBody>
       </p:sp>
@@ -7923,7 +7646,7 @@
           <a:lstStyle/>
           <a:p>
             <a:r>
-              <a:rPr lang="en-US" sz="2400" u="sng" dirty="0" smtClean="0">
+              <a:rPr lang="en-US" sz="2400" u="sng" dirty="0">
                 <a:solidFill>
                   <a:schemeClr val="accent5"/>
                 </a:solidFill>
@@ -7937,7 +7660,7 @@
               <a:buChar char="•"/>
             </a:pPr>
             <a:r>
-              <a:rPr lang="en-US" dirty="0" smtClean="0">
+              <a:rPr lang="en-US" dirty="0">
                 <a:solidFill>
                   <a:srgbClr val="FFC000"/>
                 </a:solidFill>
@@ -7945,7 +7668,7 @@
               <a:t>Popping</a:t>
             </a:r>
             <a:r>
-              <a:rPr lang="en-US" dirty="0" smtClean="0"/>
+              <a:rPr lang="en-US" dirty="0"/>
               <a:t> – Keep it continuous</a:t>
             </a:r>
           </a:p>
@@ -7955,7 +7678,7 @@
               <a:buChar char="•"/>
             </a:pPr>
             <a:r>
-              <a:rPr lang="en-US" dirty="0" smtClean="0">
+              <a:rPr lang="en-US" dirty="0">
                 <a:solidFill>
                   <a:srgbClr val="FFC000"/>
                 </a:solidFill>
@@ -7963,7 +7686,7 @@
               <a:t>Clipping</a:t>
             </a:r>
             <a:r>
-              <a:rPr lang="en-US" dirty="0" smtClean="0"/>
+              <a:rPr lang="en-US" dirty="0"/>
               <a:t> – Stay in [-1,1]</a:t>
             </a:r>
           </a:p>
@@ -7973,7 +7696,7 @@
               <a:buChar char="•"/>
             </a:pPr>
             <a:r>
-              <a:rPr lang="en-US" dirty="0" smtClean="0">
+              <a:rPr lang="en-US" dirty="0">
                 <a:solidFill>
                   <a:srgbClr val="FFC000"/>
                 </a:solidFill>
@@ -7981,13 +7704,12 @@
               <a:t>Aliasing</a:t>
             </a:r>
             <a:r>
-              <a:rPr lang="en-US" dirty="0" smtClean="0"/>
+              <a:rPr lang="en-US" dirty="0"/>
               <a:t> – No frequencies too high</a:t>
             </a:r>
-            <a:endParaRPr lang="en-US" dirty="0" smtClean="0"/>
-          </a:p>
-          <a:p>
-            <a:endParaRPr lang="en-US" dirty="0" smtClean="0"/>
+          </a:p>
+          <a:p>
+            <a:endParaRPr lang="en-US" dirty="0"/>
           </a:p>
         </p:txBody>
       </p:sp>
@@ -8017,7 +7739,7 @@
           <a:lstStyle/>
           <a:p>
             <a:r>
-              <a:rPr lang="en-US" sz="2400" u="sng" dirty="0" smtClean="0">
+              <a:rPr lang="en-US" sz="2400" u="sng" dirty="0">
                 <a:solidFill>
                   <a:schemeClr val="accent5"/>
                 </a:solidFill>
@@ -8031,7 +7753,7 @@
               <a:buChar char="•"/>
             </a:pPr>
             <a:r>
-              <a:rPr lang="en-US" dirty="0" smtClean="0">
+              <a:rPr lang="en-US" dirty="0">
                 <a:solidFill>
                   <a:srgbClr val="FFC000"/>
                 </a:solidFill>
@@ -8039,7 +7761,7 @@
               <a:t>Additive</a:t>
             </a:r>
             <a:r>
-              <a:rPr lang="en-US" dirty="0" smtClean="0"/>
+              <a:rPr lang="en-US" dirty="0"/>
               <a:t> – add sine waves together</a:t>
             </a:r>
           </a:p>
@@ -8049,7 +7771,7 @@
               <a:buChar char="•"/>
             </a:pPr>
             <a:r>
-              <a:rPr lang="en-US" dirty="0" smtClean="0">
+              <a:rPr lang="en-US" dirty="0">
                 <a:solidFill>
                   <a:srgbClr val="FFC000"/>
                 </a:solidFill>
@@ -8057,7 +7779,7 @@
               <a:t>Subtractive</a:t>
             </a:r>
             <a:r>
-              <a:rPr lang="en-US" dirty="0" smtClean="0"/>
+              <a:rPr lang="en-US" dirty="0"/>
               <a:t> – filter away frequencies</a:t>
             </a:r>
           </a:p>
@@ -8067,7 +7789,7 @@
               <a:buChar char="•"/>
             </a:pPr>
             <a:r>
-              <a:rPr lang="en-US" dirty="0" smtClean="0">
+              <a:rPr lang="en-US" dirty="0">
                 <a:solidFill>
                   <a:srgbClr val="FFC000"/>
                 </a:solidFill>
@@ -8075,7 +7797,7 @@
               <a:t>FM</a:t>
             </a:r>
             <a:r>
-              <a:rPr lang="en-US" dirty="0" smtClean="0"/>
+              <a:rPr lang="en-US" dirty="0"/>
               <a:t> – modulate frequency by another wave</a:t>
             </a:r>
           </a:p>
@@ -8085,7 +7807,7 @@
               <a:buChar char="•"/>
             </a:pPr>
             <a:r>
-              <a:rPr lang="en-US" dirty="0" smtClean="0">
+              <a:rPr lang="en-US" dirty="0">
                 <a:solidFill>
                   <a:srgbClr val="FFC000"/>
                 </a:solidFill>
@@ -8093,14 +7815,9 @@
               <a:t>AM</a:t>
             </a:r>
             <a:r>
-              <a:rPr lang="en-US" dirty="0" smtClean="0"/>
-              <a:t> – modulate amplitude </a:t>
-            </a:r>
-            <a:r>
-              <a:rPr lang="en-US" dirty="0"/>
-              <a:t>by another wave</a:t>
-            </a:r>
-            <a:endParaRPr lang="en-US" dirty="0" smtClean="0"/>
+              <a:rPr lang="en-US" dirty="0"/>
+              <a:t> – modulate amplitude by another wave</a:t>
+            </a:r>
           </a:p>
         </p:txBody>
       </p:sp>
@@ -8130,7 +7847,7 @@
           <a:lstStyle/>
           <a:p>
             <a:r>
-              <a:rPr lang="en-US" sz="2400" u="sng" dirty="0" smtClean="0">
+              <a:rPr lang="en-US" sz="2400" u="sng" dirty="0">
                 <a:solidFill>
                   <a:schemeClr val="accent5"/>
                 </a:solidFill>
@@ -8144,7 +7861,7 @@
               <a:buChar char="•"/>
             </a:pPr>
             <a:r>
-              <a:rPr lang="en-US" dirty="0" smtClean="0">
+              <a:rPr lang="en-US" dirty="0">
                 <a:solidFill>
                   <a:srgbClr val="FFC000"/>
                 </a:solidFill>
@@ -8152,7 +7869,7 @@
               <a:t>Envelopes / Ducking</a:t>
             </a:r>
             <a:r>
-              <a:rPr lang="en-US" dirty="0" smtClean="0"/>
+              <a:rPr lang="en-US" dirty="0"/>
               <a:t> – Adjust volume over time</a:t>
             </a:r>
           </a:p>
@@ -8162,7 +7879,7 @@
               <a:buChar char="•"/>
             </a:pPr>
             <a:r>
-              <a:rPr lang="en-US" dirty="0" smtClean="0">
+              <a:rPr lang="en-US" dirty="0">
                 <a:solidFill>
                   <a:srgbClr val="FFC000"/>
                 </a:solidFill>
@@ -8170,7 +7887,7 @@
               <a:t>Tremolo</a:t>
             </a:r>
             <a:r>
-              <a:rPr lang="en-US" dirty="0" smtClean="0"/>
+              <a:rPr lang="en-US" dirty="0"/>
               <a:t> – Adjust volume by LFO</a:t>
             </a:r>
           </a:p>
@@ -8180,7 +7897,7 @@
               <a:buChar char="•"/>
             </a:pPr>
             <a:r>
-              <a:rPr lang="en-US" dirty="0" smtClean="0">
+              <a:rPr lang="en-US" dirty="0">
                 <a:solidFill>
                   <a:srgbClr val="FFC000"/>
                 </a:solidFill>
@@ -8188,7 +7905,7 @@
               <a:t>Vibrato</a:t>
             </a:r>
             <a:r>
-              <a:rPr lang="en-US" dirty="0" smtClean="0"/>
+              <a:rPr lang="en-US" dirty="0"/>
               <a:t> – Adjust frequency by LFO</a:t>
             </a:r>
           </a:p>
@@ -8198,7 +7915,7 @@
               <a:buChar char="•"/>
             </a:pPr>
             <a:r>
-              <a:rPr lang="en-US" dirty="0" smtClean="0">
+              <a:rPr lang="en-US" dirty="0">
                 <a:solidFill>
                   <a:srgbClr val="FFC000"/>
                 </a:solidFill>
@@ -8206,7 +7923,7 @@
               <a:t>Delay (echo)</a:t>
             </a:r>
             <a:r>
-              <a:rPr lang="en-US" dirty="0" smtClean="0"/>
+              <a:rPr lang="en-US" dirty="0"/>
               <a:t> – Ring buffer</a:t>
             </a:r>
           </a:p>
@@ -8216,7 +7933,7 @@
               <a:buChar char="•"/>
             </a:pPr>
             <a:r>
-              <a:rPr lang="en-US" dirty="0" err="1" smtClean="0">
+              <a:rPr lang="en-US" dirty="0" err="1">
                 <a:solidFill>
                   <a:srgbClr val="FFC000"/>
                 </a:solidFill>
@@ -8224,7 +7941,7 @@
               <a:t>Multitap</a:t>
             </a:r>
             <a:r>
-              <a:rPr lang="en-US" dirty="0" smtClean="0">
+              <a:rPr lang="en-US" dirty="0">
                 <a:solidFill>
                   <a:srgbClr val="FFC000"/>
                 </a:solidFill>
@@ -8232,7 +7949,7 @@
               <a:t> Reverb</a:t>
             </a:r>
             <a:r>
-              <a:rPr lang="en-US" dirty="0" smtClean="0"/>
+              <a:rPr lang="en-US" dirty="0"/>
               <a:t> – Multiple reads from ring buffer</a:t>
             </a:r>
           </a:p>
@@ -8242,7 +7959,7 @@
               <a:buChar char="•"/>
             </a:pPr>
             <a:r>
-              <a:rPr lang="en-US" dirty="0" smtClean="0">
+              <a:rPr lang="en-US" dirty="0">
                 <a:solidFill>
                   <a:srgbClr val="FFC000"/>
                 </a:solidFill>
@@ -8250,7 +7967,7 @@
               <a:t>Flange</a:t>
             </a:r>
             <a:r>
-              <a:rPr lang="en-US" dirty="0" smtClean="0"/>
+              <a:rPr lang="en-US" dirty="0"/>
               <a:t> – Delay ring buffer read offset by LFO</a:t>
             </a:r>
           </a:p>
@@ -8260,7 +7977,7 @@
               <a:buChar char="•"/>
             </a:pPr>
             <a:r>
-              <a:rPr lang="en-US" dirty="0" smtClean="0">
+              <a:rPr lang="en-US" dirty="0">
                 <a:solidFill>
                   <a:srgbClr val="FFC000"/>
                 </a:solidFill>
@@ -8268,7 +7985,7 @@
               <a:t>Filtering</a:t>
             </a:r>
             <a:r>
-              <a:rPr lang="en-US" dirty="0" smtClean="0"/>
+              <a:rPr lang="en-US" dirty="0"/>
               <a:t> – Change frequency amplitudes. LFO?</a:t>
             </a:r>
           </a:p>
@@ -8278,7 +7995,7 @@
               <a:buChar char="•"/>
             </a:pPr>
             <a:r>
-              <a:rPr lang="en-US" dirty="0" smtClean="0">
+              <a:rPr lang="en-US" dirty="0">
                 <a:solidFill>
                   <a:srgbClr val="FFC000"/>
                 </a:solidFill>
@@ -8286,7 +8003,7 @@
               <a:t>Limiter / Compressor</a:t>
             </a:r>
             <a:r>
-              <a:rPr lang="en-US" dirty="0" smtClean="0"/>
+              <a:rPr lang="en-US" dirty="0"/>
               <a:t> – automatically adjust volume.</a:t>
             </a:r>
           </a:p>
@@ -8295,7 +8012,7 @@
               <a:buFont typeface="Arial" panose="020B0604020202020204" pitchFamily="34" charset="0"/>
               <a:buChar char="•"/>
             </a:pPr>
-            <a:endParaRPr lang="en-US" dirty="0" smtClean="0"/>
+            <a:endParaRPr lang="en-US" dirty="0"/>
           </a:p>
         </p:txBody>
       </p:sp>
@@ -8325,7 +8042,7 @@
           <a:lstStyle/>
           <a:p>
             <a:r>
-              <a:rPr lang="en-US" sz="2400" u="sng" dirty="0" smtClean="0">
+              <a:rPr lang="en-US" sz="2400" u="sng" dirty="0">
                 <a:solidFill>
                   <a:schemeClr val="accent5"/>
                 </a:solidFill>
@@ -8339,7 +8056,7 @@
               <a:buChar char="•"/>
             </a:pPr>
             <a:r>
-              <a:rPr lang="en-US" dirty="0" smtClean="0">
+              <a:rPr lang="en-US" dirty="0">
                 <a:solidFill>
                   <a:srgbClr val="FFC000"/>
                 </a:solidFill>
@@ -8353,7 +8070,7 @@
               <a:buChar char="•"/>
             </a:pPr>
             <a:r>
-              <a:rPr lang="en-US" dirty="0" smtClean="0">
+              <a:rPr lang="en-US" dirty="0">
                 <a:solidFill>
                   <a:srgbClr val="FFC000"/>
                 </a:solidFill>
@@ -8367,7 +8084,7 @@
               <a:buChar char="•"/>
             </a:pPr>
             <a:r>
-              <a:rPr lang="en-US" dirty="0" smtClean="0">
+              <a:rPr lang="en-US" dirty="0">
                 <a:solidFill>
                   <a:srgbClr val="FFC000"/>
                 </a:solidFill>
@@ -8381,7 +8098,7 @@
               <a:buChar char="•"/>
             </a:pPr>
             <a:r>
-              <a:rPr lang="en-US" dirty="0" smtClean="0">
+              <a:rPr lang="en-US" dirty="0">
                 <a:solidFill>
                   <a:srgbClr val="FFC000"/>
                 </a:solidFill>
@@ -8395,7 +8112,7 @@
               <a:buChar char="•"/>
             </a:pPr>
             <a:r>
-              <a:rPr lang="en-US" dirty="0" smtClean="0">
+              <a:rPr lang="en-US" dirty="0">
                 <a:solidFill>
                   <a:srgbClr val="FFC000"/>
                 </a:solidFill>
@@ -8409,18 +8126,13 @@
               <a:buChar char="•"/>
             </a:pPr>
             <a:r>
-              <a:rPr lang="en-US" dirty="0" smtClean="0">
+              <a:rPr lang="en-US" dirty="0">
                 <a:solidFill>
                   <a:srgbClr val="FFC000"/>
                 </a:solidFill>
               </a:rPr>
               <a:t>Noise</a:t>
             </a:r>
-            <a:endParaRPr lang="en-US" dirty="0" smtClean="0">
-              <a:solidFill>
-                <a:srgbClr val="FFC000"/>
-              </a:solidFill>
-            </a:endParaRPr>
           </a:p>
         </p:txBody>
       </p:sp>
@@ -8450,54 +8162,32 @@
           <a:lstStyle/>
           <a:p>
             <a:r>
-              <a:rPr lang="en-US" dirty="0" smtClean="0"/>
-              <a:t>Get The C++ </a:t>
-            </a:r>
-            <a:r>
-              <a:rPr lang="en-US" dirty="0" smtClean="0"/>
-              <a:t>Demo Program and start hacking! </a:t>
-            </a:r>
-            <a:r>
-              <a:rPr lang="en-US" dirty="0" smtClean="0">
-                <a:hlinkClick r:id="rId2"/>
-              </a:rPr>
-              <a:t>https</a:t>
+              <a:rPr lang="en-US" dirty="0"/>
+              <a:t>Get The C++ Demo Program and start hacking! </a:t>
             </a:r>
             <a:r>
               <a:rPr lang="en-US" dirty="0">
                 <a:hlinkClick r:id="rId2"/>
               </a:rPr>
-              <a:t>://</a:t>
-            </a:r>
-            <a:r>
-              <a:rPr lang="en-US" dirty="0" smtClean="0">
-                <a:hlinkClick r:id="rId2"/>
-              </a:rPr>
-              <a:t>github.com/Atrix256/MusicSynth</a:t>
-            </a:r>
-            <a:endParaRPr lang="en-US" dirty="0" smtClean="0"/>
-          </a:p>
-          <a:p>
-            <a:r>
-              <a:rPr lang="en-US" dirty="0" smtClean="0"/>
+              <a:t>https://github.com/Atrix256/MusicSynth</a:t>
+            </a:r>
+            <a:endParaRPr lang="en-US" dirty="0"/>
+          </a:p>
+          <a:p>
+            <a:r>
+              <a:rPr lang="en-US" dirty="0"/>
               <a:t>More Audio Synth on my blog: </a:t>
             </a:r>
             <a:r>
               <a:rPr lang="en-US" dirty="0">
                 <a:hlinkClick r:id="rId3"/>
               </a:rPr>
-              <a:t>http://</a:t>
-            </a:r>
-            <a:r>
-              <a:rPr lang="en-US" dirty="0" smtClean="0">
-                <a:hlinkClick r:id="rId3"/>
-              </a:rPr>
-              <a:t>Blog.demofox.org</a:t>
-            </a:r>
-            <a:endParaRPr lang="en-US" dirty="0" smtClean="0"/>
-          </a:p>
-          <a:p>
-            <a:endParaRPr lang="en-US" dirty="0" smtClean="0"/>
+              <a:t>http://Blog.demofox.org</a:t>
+            </a:r>
+            <a:endParaRPr lang="en-US" dirty="0"/>
+          </a:p>
+          <a:p>
+            <a:endParaRPr lang="en-US" dirty="0"/>
           </a:p>
         </p:txBody>
       </p:sp>
@@ -8523,13 +8213,6 @@
       </p:transition>
     </mc:Fallback>
   </mc:AlternateContent>
-  <p:timing>
-    <p:tnLst>
-      <p:par>
-        <p:cTn id="1" dur="indefinite" restart="never" nodeType="tmRoot"/>
-      </p:par>
-    </p:tnLst>
-  </p:timing>
 </p:sld>
 </file>
 
@@ -8597,18 +8280,13 @@
           <a:lstStyle/>
           <a:p>
             <a:pPr algn="ctr"/>
-            <a:r>
-              <a:rPr lang="en-US" dirty="0" smtClean="0"/>
-              <a:t/>
-            </a:r>
             <a:br>
-              <a:rPr lang="en-US" dirty="0" smtClean="0"/>
+              <a:rPr lang="en-US" dirty="0"/>
             </a:br>
             <a:r>
-              <a:rPr lang="en-US" dirty="0" smtClean="0"/>
+              <a:rPr lang="en-US" dirty="0"/>
               <a:t>Roland 303 Synth &amp; 707 Drum Machine</a:t>
             </a:r>
-            <a:endParaRPr lang="en-US" dirty="0"/>
           </a:p>
         </p:txBody>
       </p:sp>
@@ -8671,15 +8349,9 @@
               <a:rPr lang="en-US" dirty="0">
                 <a:hlinkClick r:id="rId4"/>
               </a:rPr>
-              <a:t>https://</a:t>
-            </a:r>
-            <a:r>
-              <a:rPr lang="en-US" dirty="0" smtClean="0">
-                <a:hlinkClick r:id="rId4"/>
-              </a:rPr>
-              <a:t>www.youtube.com/watch?v=McFMCh8CFag&amp;t=170</a:t>
-            </a:r>
-            <a:endParaRPr lang="en-US" dirty="0" smtClean="0"/>
+              <a:t>https://www.youtube.com/watch?v=McFMCh8CFag&amp;t=170</a:t>
+            </a:r>
+            <a:endParaRPr lang="en-US" dirty="0"/>
           </a:p>
         </p:txBody>
       </p:sp>
@@ -8709,10 +8381,9 @@
           <a:lstStyle/>
           <a:p>
             <a:r>
-              <a:rPr lang="en-US" dirty="0" smtClean="0"/>
+              <a:rPr lang="en-US" dirty="0"/>
               <a:t>1982</a:t>
             </a:r>
-            <a:endParaRPr lang="en-US" dirty="0" smtClean="0"/>
           </a:p>
         </p:txBody>
       </p:sp>
@@ -8742,10 +8413,9 @@
           <a:lstStyle/>
           <a:p>
             <a:r>
-              <a:rPr lang="en-US" dirty="0" smtClean="0"/>
+              <a:rPr lang="en-US" dirty="0"/>
               <a:t>1984</a:t>
             </a:r>
-            <a:endParaRPr lang="en-US" dirty="0" smtClean="0"/>
           </a:p>
         </p:txBody>
       </p:sp>
@@ -8771,13 +8441,6 @@
       </p:transition>
     </mc:Fallback>
   </mc:AlternateContent>
-  <p:timing>
-    <p:tnLst>
-      <p:par>
-        <p:cTn id="1" dur="indefinite" restart="never" nodeType="tmRoot"/>
-      </p:par>
-    </p:tnLst>
-  </p:timing>
 </p:sld>
 </file>
 
@@ -8820,10 +8483,9 @@
           <a:p>
             <a:pPr algn="ctr"/>
             <a:r>
-              <a:rPr lang="en-US" dirty="0" smtClean="0"/>
+              <a:rPr lang="en-US" dirty="0"/>
               <a:t>Modular Synth</a:t>
             </a:r>
-            <a:endParaRPr lang="en-US" dirty="0"/>
           </a:p>
         </p:txBody>
       </p:sp>
@@ -8856,15 +8518,9 @@
               <a:rPr lang="en-US" dirty="0">
                 <a:hlinkClick r:id="rId2"/>
               </a:rPr>
-              <a:t>https://</a:t>
-            </a:r>
-            <a:r>
-              <a:rPr lang="en-US" dirty="0" smtClean="0">
-                <a:hlinkClick r:id="rId2"/>
-              </a:rPr>
-              <a:t>www.youtube.com/watch?v=H511Iye6BsI&amp;t=40</a:t>
-            </a:r>
-            <a:endParaRPr lang="en-US" dirty="0" smtClean="0"/>
+              <a:t>https://www.youtube.com/watch?v=H511Iye6BsI&amp;t=40</a:t>
+            </a:r>
+            <a:endParaRPr lang="en-US" dirty="0"/>
           </a:p>
         </p:txBody>
       </p:sp>
@@ -8919,13 +8575,6 @@
       </p:transition>
     </mc:Fallback>
   </mc:AlternateContent>
-  <p:timing>
-    <p:tnLst>
-      <p:par>
-        <p:cTn id="1" dur="indefinite" restart="never" nodeType="tmRoot"/>
-      </p:par>
-    </p:tnLst>
-  </p:timing>
 </p:sld>
 </file>
 
@@ -8969,79 +8618,70 @@
           <a:lstStyle/>
           <a:p>
             <a:r>
-              <a:rPr lang="en-US" dirty="0" smtClean="0"/>
+              <a:rPr lang="en-US" dirty="0"/>
               <a:t>A stream of numbers between -1.0 and 1.0 (usually)</a:t>
             </a:r>
           </a:p>
           <a:p>
             <a:r>
-              <a:rPr lang="en-US" dirty="0" smtClean="0"/>
+              <a:rPr lang="en-US" dirty="0"/>
               <a:t>Changes in values important, not values themselves</a:t>
             </a:r>
           </a:p>
           <a:p>
             <a:r>
-              <a:rPr lang="en-US" dirty="0" smtClean="0"/>
+              <a:rPr lang="en-US" dirty="0"/>
               <a:t>Value dictates speaker location over time</a:t>
             </a:r>
           </a:p>
           <a:p>
             <a:r>
-              <a:rPr lang="en-US" dirty="0" smtClean="0"/>
+              <a:rPr lang="en-US" dirty="0"/>
               <a:t>Better speakers able to move more quickly and accurately</a:t>
             </a:r>
           </a:p>
           <a:p>
             <a:r>
-              <a:rPr lang="en-US" dirty="0" smtClean="0"/>
-              <a:t>.wav file literally = </a:t>
-            </a:r>
-            <a:r>
-              <a:rPr lang="en-US" dirty="0"/>
-              <a:t>header, then </a:t>
-            </a:r>
-            <a:r>
-              <a:rPr lang="en-US" dirty="0" smtClean="0"/>
-              <a:t>samples</a:t>
-            </a:r>
-          </a:p>
-          <a:p>
-            <a:r>
-              <a:rPr lang="en-US" dirty="0" smtClean="0"/>
+              <a:rPr lang="en-US" dirty="0"/>
+              <a:t>.wav file literally = header, then samples</a:t>
+            </a:r>
+          </a:p>
+          <a:p>
+            <a:r>
+              <a:rPr lang="en-US" dirty="0"/>
               <a:t>Resolution:</a:t>
             </a:r>
           </a:p>
           <a:p>
             <a:pPr lvl="1"/>
             <a:r>
-              <a:rPr lang="en-US" dirty="0" smtClean="0"/>
+              <a:rPr lang="en-US" dirty="0"/>
               <a:t>X axis = sample rate (audio samples per second)</a:t>
             </a:r>
           </a:p>
           <a:p>
             <a:pPr lvl="1"/>
             <a:r>
-              <a:rPr lang="en-US" dirty="0" smtClean="0"/>
+              <a:rPr lang="en-US" dirty="0"/>
               <a:t>Y axis = bit depth (size of floating point numbers)</a:t>
             </a:r>
           </a:p>
           <a:p>
             <a:pPr lvl="1"/>
             <a:r>
-              <a:rPr lang="en-US" dirty="0" smtClean="0"/>
+              <a:rPr lang="en-US" dirty="0"/>
               <a:t>Interleaved data for each channel</a:t>
             </a:r>
           </a:p>
           <a:p>
             <a:r>
-              <a:rPr lang="en-US" b="1" u="sng" dirty="0" smtClean="0"/>
+              <a:rPr lang="en-US" b="1" u="sng" dirty="0"/>
               <a:t>EVERYTHING</a:t>
             </a:r>
             <a:r>
-              <a:rPr lang="en-US" dirty="0" smtClean="0"/>
+              <a:rPr lang="en-US" dirty="0"/>
               <a:t> is made from sine waves added together (DSP)</a:t>
             </a:r>
-            <a:endParaRPr lang="en-US" dirty="0"/>
           </a:p>
         </p:txBody>
       </p:sp>
@@ -9061,10 +8701,9 @@
           <a:lstStyle/>
           <a:p>
             <a:r>
-              <a:rPr lang="en-US" dirty="0" smtClean="0"/>
+              <a:rPr lang="en-US" dirty="0"/>
               <a:t>What Is Audio Data?</a:t>
             </a:r>
-            <a:endParaRPr lang="en-US" dirty="0"/>
           </a:p>
         </p:txBody>
       </p:sp>
@@ -9090,13 +8729,6 @@
       </p:transition>
     </mc:Fallback>
   </mc:AlternateContent>
-  <p:timing>
-    <p:tnLst>
-      <p:par>
-        <p:cTn id="1" dur="indefinite" restart="never" nodeType="tmRoot"/>
-      </p:par>
-    </p:tnLst>
-  </p:timing>
 </p:sld>
 </file>
 
@@ -9133,11 +8765,11 @@
           <a:lstStyle/>
           <a:p>
             <a:r>
-              <a:rPr lang="en-US" dirty="0" smtClean="0"/>
+              <a:rPr lang="en-US" dirty="0"/>
               <a:t>A note is just a frequency. Non linear: </a:t>
             </a:r>
             <a:r>
-              <a:rPr lang="en-US" dirty="0" err="1" smtClean="0">
+              <a:rPr lang="en-US" dirty="0" err="1">
                 <a:solidFill>
                   <a:srgbClr val="FFC000"/>
                 </a:solidFill>
@@ -9145,7 +8777,7 @@
               <a:t>freq</a:t>
             </a:r>
             <a:r>
-              <a:rPr lang="en-US" dirty="0" smtClean="0">
+              <a:rPr lang="en-US" dirty="0">
                 <a:solidFill>
                   <a:srgbClr val="FFC000"/>
                 </a:solidFill>
@@ -9153,7 +8785,7 @@
               <a:t>=440*2</a:t>
             </a:r>
             <a:r>
-              <a:rPr lang="en-US" baseline="30000" dirty="0" smtClean="0">
+              <a:rPr lang="en-US" baseline="30000" dirty="0">
                 <a:solidFill>
                   <a:srgbClr val="FFC000"/>
                 </a:solidFill>
@@ -9163,19 +8795,19 @@
           </a:p>
           <a:p>
             <a:r>
-              <a:rPr lang="en-US" dirty="0" smtClean="0"/>
+              <a:rPr lang="en-US" dirty="0"/>
               <a:t>An octave is a range of 12 notes.</a:t>
             </a:r>
           </a:p>
           <a:p>
             <a:r>
-              <a:rPr lang="en-US" dirty="0" smtClean="0"/>
+              <a:rPr lang="en-US" dirty="0"/>
               <a:t>Double a note frequency to go up an octave.</a:t>
             </a:r>
           </a:p>
           <a:p>
             <a:r>
-              <a:rPr lang="en-US" dirty="0" smtClean="0"/>
+              <a:rPr lang="en-US" dirty="0"/>
               <a:t>Relative notes matter, not absolute.</a:t>
             </a:r>
           </a:p>
@@ -9197,10 +8829,9 @@
           <a:lstStyle/>
           <a:p>
             <a:r>
-              <a:rPr lang="en-US" dirty="0" smtClean="0"/>
+              <a:rPr lang="en-US" dirty="0"/>
               <a:t>What Is A Note?</a:t>
             </a:r>
-            <a:endParaRPr lang="en-US" dirty="0"/>
           </a:p>
         </p:txBody>
       </p:sp>
@@ -9290,18 +8921,13 @@
           <a:lstStyle/>
           <a:p>
             <a:r>
-              <a:rPr lang="en-US" b="1" dirty="0" smtClean="0">
+              <a:rPr lang="en-US" b="1" dirty="0">
                 <a:solidFill>
                   <a:srgbClr val="FFFF00"/>
                 </a:solidFill>
               </a:rPr>
               <a:t>Demo: Sine</a:t>
             </a:r>
-            <a:endParaRPr lang="en-US" b="1" dirty="0" smtClean="0">
-              <a:solidFill>
-                <a:srgbClr val="FFFF00"/>
-              </a:solidFill>
-            </a:endParaRPr>
           </a:p>
         </p:txBody>
       </p:sp>
@@ -9327,13 +8953,6 @@
       </p:transition>
     </mc:Fallback>
   </mc:AlternateContent>
-  <p:timing>
-    <p:tnLst>
-      <p:par>
-        <p:cTn id="1" dur="indefinite" restart="never" nodeType="tmRoot"/>
-      </p:par>
-    </p:tnLst>
-  </p:timing>
 </p:sld>
 </file>
 
@@ -9380,15 +8999,15 @@
               <a:buNone/>
             </a:pPr>
             <a:r>
-              <a:rPr lang="en-US" dirty="0" smtClean="0"/>
+              <a:rPr lang="en-US" dirty="0"/>
               <a:t>Popping = discontinuity in data. </a:t>
             </a:r>
             <a:r>
-              <a:rPr lang="en-US" b="1" u="sng" dirty="0" smtClean="0"/>
+              <a:rPr lang="en-US" b="1" u="sng" dirty="0"/>
               <a:t>Usually</a:t>
             </a:r>
             <a:r>
-              <a:rPr lang="en-US" dirty="0" smtClean="0"/>
+              <a:rPr lang="en-US" dirty="0"/>
               <a:t> unwanted.</a:t>
             </a:r>
           </a:p>
@@ -9396,14 +9015,14 @@
             <a:pPr marL="0" indent="0">
               <a:buNone/>
             </a:pPr>
-            <a:endParaRPr lang="en-US" dirty="0" smtClean="0"/>
+            <a:endParaRPr lang="en-US" dirty="0"/>
           </a:p>
           <a:p>
             <a:pPr marL="0" indent="0">
               <a:buNone/>
             </a:pPr>
             <a:r>
-              <a:rPr lang="en-US" b="1" u="sng" dirty="0" smtClean="0">
+              <a:rPr lang="en-US" b="1" u="sng" dirty="0">
                 <a:solidFill>
                   <a:schemeClr val="accent6"/>
                 </a:solidFill>
@@ -9417,7 +9036,7 @@
               <a:buAutoNum type="arabicPeriod"/>
             </a:pPr>
             <a:r>
-              <a:rPr lang="en-US" dirty="0" smtClean="0"/>
+              <a:rPr lang="en-US" dirty="0"/>
               <a:t>Free Spinning Oscillator</a:t>
             </a:r>
           </a:p>
@@ -9427,7 +9046,7 @@
               <a:buAutoNum type="arabicPeriod"/>
             </a:pPr>
             <a:r>
-              <a:rPr lang="en-US" dirty="0" smtClean="0"/>
+              <a:rPr lang="en-US" dirty="0"/>
               <a:t>Volume Envelopes (more info later)</a:t>
             </a:r>
           </a:p>
@@ -9436,7 +9055,7 @@
               <a:buNone/>
             </a:pPr>
             <a:r>
-              <a:rPr lang="en-US" b="1" u="sng" dirty="0" smtClean="0">
+              <a:rPr lang="en-US" b="1" u="sng" dirty="0">
                 <a:solidFill>
                   <a:schemeClr val="accent6"/>
                 </a:solidFill>
@@ -9458,13 +9077,9 @@
             </a:r>
             <a:r>
               <a:rPr lang="en-US" dirty="0"/>
-              <a:t> output = </a:t>
-            </a:r>
-            <a:r>
-              <a:rPr lang="en-US" dirty="0" smtClean="0"/>
-              <a:t>sine(time*frequency*2*pi);</a:t>
-            </a:r>
-            <a:endParaRPr lang="en-US" b="1" u="sng" dirty="0" smtClean="0">
+              <a:t> output = sine(time*frequency*2*pi);</a:t>
+            </a:r>
+            <a:endParaRPr lang="en-US" b="1" u="sng" dirty="0">
               <a:solidFill>
                 <a:srgbClr val="50FF50"/>
               </a:solidFill>
@@ -9475,7 +9090,7 @@
               <a:buNone/>
             </a:pPr>
             <a:r>
-              <a:rPr lang="en-US" b="1" u="sng" dirty="0" smtClean="0">
+              <a:rPr lang="en-US" b="1" u="sng" dirty="0">
                 <a:solidFill>
                   <a:srgbClr val="50FF50"/>
                 </a:solidFill>
@@ -9483,15 +9098,15 @@
               <a:t>YES:</a:t>
             </a:r>
             <a:r>
-              <a:rPr lang="en-US" dirty="0" smtClean="0"/>
+              <a:rPr lang="en-US" dirty="0"/>
               <a:t> output = sine(phase); phase += (frequency*2*pi)/</a:t>
             </a:r>
             <a:r>
-              <a:rPr lang="en-US" dirty="0" err="1" smtClean="0"/>
+              <a:rPr lang="en-US" dirty="0" err="1"/>
               <a:t>sampleRate</a:t>
             </a:r>
             <a:r>
-              <a:rPr lang="en-US" dirty="0" smtClean="0"/>
+              <a:rPr lang="en-US" dirty="0"/>
               <a:t>;</a:t>
             </a:r>
           </a:p>
@@ -9513,10 +9128,9 @@
           <a:lstStyle/>
           <a:p>
             <a:r>
-              <a:rPr lang="en-US" dirty="0" smtClean="0"/>
+              <a:rPr lang="en-US" dirty="0"/>
               <a:t>Popping</a:t>
             </a:r>
-            <a:endParaRPr lang="en-US" dirty="0"/>
           </a:p>
         </p:txBody>
       </p:sp>
@@ -9546,18 +9160,13 @@
           <a:lstStyle/>
           <a:p>
             <a:r>
-              <a:rPr lang="en-US" b="1" dirty="0" smtClean="0">
+              <a:rPr lang="en-US" b="1" dirty="0">
                 <a:solidFill>
                   <a:srgbClr val="FFFF00"/>
                 </a:solidFill>
               </a:rPr>
               <a:t>Demo: Popping</a:t>
             </a:r>
-            <a:endParaRPr lang="en-US" b="1" dirty="0" smtClean="0">
-              <a:solidFill>
-                <a:srgbClr val="FFFF00"/>
-              </a:solidFill>
-            </a:endParaRPr>
           </a:p>
         </p:txBody>
       </p:sp>
@@ -9613,13 +9222,6 @@
       </p:transition>
     </mc:Fallback>
   </mc:AlternateContent>
-  <p:timing>
-    <p:tnLst>
-      <p:par>
-        <p:cTn id="1" dur="indefinite" restart="never" nodeType="tmRoot"/>
-      </p:par>
-    </p:tnLst>
-  </p:timing>
 </p:sld>
 </file>
 
@@ -9659,12 +9261,8 @@
               <a:buNone/>
             </a:pPr>
             <a:r>
-              <a:rPr lang="en-US" dirty="0" smtClean="0"/>
-              <a:t>Clipping = going outside of [-1,1].</a:t>
-            </a:r>
-            <a:r>
-              <a:rPr lang="en-US" dirty="0"/>
-              <a:t> </a:t>
+              <a:rPr lang="en-US" dirty="0"/>
+              <a:t>Clipping = going outside of [-1,1]. </a:t>
             </a:r>
             <a:r>
               <a:rPr lang="en-US" b="1" u="sng" dirty="0"/>
@@ -9682,32 +9280,31 @@
             <a:endParaRPr lang="en-US" dirty="0"/>
           </a:p>
           <a:p>
-            <a:endParaRPr lang="en-US" dirty="0" smtClean="0"/>
-          </a:p>
-          <a:p>
-            <a:r>
-              <a:rPr lang="en-US" dirty="0" smtClean="0"/>
+            <a:endParaRPr lang="en-US" dirty="0"/>
+          </a:p>
+          <a:p>
+            <a:r>
+              <a:rPr lang="en-US" dirty="0"/>
               <a:t>A Form of Distortion</a:t>
             </a:r>
           </a:p>
           <a:p>
             <a:r>
-              <a:rPr lang="en-US" dirty="0" smtClean="0"/>
+              <a:rPr lang="en-US" dirty="0"/>
               <a:t>sine waves clamp, changing sound (frequencies)</a:t>
             </a:r>
           </a:p>
           <a:p>
             <a:r>
-              <a:rPr lang="en-US" dirty="0" smtClean="0"/>
+              <a:rPr lang="en-US" dirty="0"/>
               <a:t>Mostly sounds very bad!</a:t>
             </a:r>
           </a:p>
           <a:p>
             <a:r>
-              <a:rPr lang="en-US" dirty="0" smtClean="0"/>
+              <a:rPr lang="en-US" dirty="0"/>
               <a:t>Sometimes sounds very good! (guitar)</a:t>
             </a:r>
-            <a:endParaRPr lang="en-US" dirty="0"/>
           </a:p>
         </p:txBody>
       </p:sp>
@@ -9727,10 +9324,9 @@
           <a:lstStyle/>
           <a:p>
             <a:r>
-              <a:rPr lang="en-US" dirty="0" smtClean="0"/>
+              <a:rPr lang="en-US" dirty="0"/>
               <a:t>Clipping</a:t>
             </a:r>
-            <a:endParaRPr lang="en-US" dirty="0"/>
           </a:p>
         </p:txBody>
       </p:sp>
@@ -9790,18 +9386,13 @@
           <a:lstStyle/>
           <a:p>
             <a:r>
-              <a:rPr lang="en-US" b="1" dirty="0" smtClean="0">
+              <a:rPr lang="en-US" b="1" dirty="0">
                 <a:solidFill>
                   <a:srgbClr val="FFFF00"/>
                 </a:solidFill>
               </a:rPr>
               <a:t>Demo: Clipping</a:t>
             </a:r>
-            <a:endParaRPr lang="en-US" b="1" dirty="0" smtClean="0">
-              <a:solidFill>
-                <a:srgbClr val="FFFF00"/>
-              </a:solidFill>
-            </a:endParaRPr>
           </a:p>
         </p:txBody>
       </p:sp>
@@ -9827,13 +9418,6 @@
       </p:transition>
     </mc:Fallback>
   </mc:AlternateContent>
-  <p:timing>
-    <p:tnLst>
-      <p:par>
-        <p:cTn id="1" dur="indefinite" restart="never" nodeType="tmRoot"/>
-      </p:par>
-    </p:tnLst>
-  </p:timing>
 </p:sld>
 </file>
 
@@ -9870,37 +9454,37 @@
           <a:lstStyle/>
           <a:p>
             <a:r>
-              <a:rPr lang="en-US" dirty="0" smtClean="0"/>
+              <a:rPr lang="en-US" dirty="0"/>
               <a:t>Just add sample values together!</a:t>
             </a:r>
           </a:p>
           <a:p>
             <a:r>
-              <a:rPr lang="en-US" dirty="0" smtClean="0"/>
+              <a:rPr lang="en-US" dirty="0"/>
               <a:t>Can cause clipping</a:t>
             </a:r>
           </a:p>
           <a:p>
             <a:r>
-              <a:rPr lang="en-US" dirty="0" smtClean="0"/>
+              <a:rPr lang="en-US" dirty="0"/>
               <a:t>Often, peaks and valleys cancel out</a:t>
             </a:r>
           </a:p>
           <a:p>
             <a:r>
-              <a:rPr lang="en-US" dirty="0" smtClean="0"/>
+              <a:rPr lang="en-US" dirty="0"/>
               <a:t>Still a problem to watch out for</a:t>
             </a:r>
           </a:p>
           <a:p>
             <a:r>
-              <a:rPr lang="en-US" dirty="0" smtClean="0"/>
+              <a:rPr lang="en-US" dirty="0"/>
               <a:t>Automated volume adjustments can help (more info later)</a:t>
             </a:r>
           </a:p>
           <a:p>
             <a:r>
-              <a:rPr lang="en-US" b="1" u="sng" dirty="0" smtClean="0">
+              <a:rPr lang="en-US" b="1" u="sng" dirty="0">
                 <a:solidFill>
                   <a:srgbClr val="FFC000"/>
                 </a:solidFill>
@@ -9908,14 +9492,14 @@
               <a:t>Terminology:</a:t>
             </a:r>
             <a:r>
-              <a:rPr lang="en-US" dirty="0" smtClean="0"/>
+              <a:rPr lang="en-US" dirty="0"/>
               <a:t> Polyphonic synthesizer</a:t>
             </a:r>
           </a:p>
           <a:p>
             <a:pPr lvl="1"/>
             <a:r>
-              <a:rPr lang="en-US" dirty="0" smtClean="0"/>
+              <a:rPr lang="en-US" dirty="0"/>
               <a:t>Can play multiple notes at once!</a:t>
             </a:r>
           </a:p>
@@ -9937,10 +9521,9 @@
           <a:lstStyle/>
           <a:p>
             <a:r>
-              <a:rPr lang="en-US" dirty="0" smtClean="0"/>
+              <a:rPr lang="en-US" dirty="0"/>
               <a:t>Mixing Multiple Sounds</a:t>
             </a:r>
-            <a:endParaRPr lang="en-US" dirty="0"/>
           </a:p>
         </p:txBody>
       </p:sp>
@@ -9970,18 +9553,13 @@
           <a:lstStyle/>
           <a:p>
             <a:r>
-              <a:rPr lang="en-US" b="1" dirty="0" smtClean="0">
+              <a:rPr lang="en-US" b="1" dirty="0">
                 <a:solidFill>
                   <a:srgbClr val="FFFF00"/>
                 </a:solidFill>
               </a:rPr>
               <a:t>Demo: Mixing</a:t>
             </a:r>
-            <a:endParaRPr lang="en-US" b="1" dirty="0" smtClean="0">
-              <a:solidFill>
-                <a:srgbClr val="FFFF00"/>
-              </a:solidFill>
-            </a:endParaRPr>
           </a:p>
         </p:txBody>
       </p:sp>
@@ -10007,13 +9585,6 @@
       </p:transition>
     </mc:Fallback>
   </mc:AlternateContent>
-  <p:timing>
-    <p:tnLst>
-      <p:par>
-        <p:cTn id="1" dur="indefinite" restart="never" nodeType="tmRoot"/>
-      </p:par>
-    </p:tnLst>
-  </p:timing>
 </p:sld>
 </file>
 
